--- a/bestone/BLANC.pptx
+++ b/bestone/BLANC.pptx
@@ -165,8 +165,8 @@
 <pc:chgInfo xmlns:a="http://schemas.openxmlformats.org/drawingml/2006/main" xmlns:r="http://schemas.openxmlformats.org/officeDocument/2006/relationships" xmlns:ac="http://schemas.microsoft.com/office/drawing/2013/main/command" xmlns:pc="http://schemas.microsoft.com/office/powerpoint/2013/main/command">
   <pc:docChgLst>
     <pc:chgData name="BLanc BLanc" userId="8e5ab073e8e77f61" providerId="LiveId" clId="{9FA26ACA-D9B9-4F86-9700-2B0629D9CD5D}"/>
-    <pc:docChg chg="custSel modSld">
-      <pc:chgData name="BLanc BLanc" userId="8e5ab073e8e77f61" providerId="LiveId" clId="{9FA26ACA-D9B9-4F86-9700-2B0629D9CD5D}" dt="2020-11-25T15:33:05.742" v="293" actId="20577"/>
+    <pc:docChg chg="undo custSel modSld">
+      <pc:chgData name="BLanc BLanc" userId="8e5ab073e8e77f61" providerId="LiveId" clId="{9FA26ACA-D9B9-4F86-9700-2B0629D9CD5D}" dt="2020-11-25T16:14:26.162" v="422" actId="255"/>
       <pc:docMkLst>
         <pc:docMk/>
       </pc:docMkLst>
@@ -190,6 +190,636 @@
             <pc:docMk/>
             <pc:sldMk cId="3987791617" sldId="256"/>
             <ac:spMk id="3" creationId="{EE2B0AD6-15DA-49FE-9273-2611D38F7DFA}"/>
+          </ac:spMkLst>
+        </pc:spChg>
+      </pc:sldChg>
+      <pc:sldChg chg="modSp mod">
+        <pc:chgData name="BLanc BLanc" userId="8e5ab073e8e77f61" providerId="LiveId" clId="{9FA26ACA-D9B9-4F86-9700-2B0629D9CD5D}" dt="2020-11-25T16:10:50.483" v="390" actId="255"/>
+        <pc:sldMkLst>
+          <pc:docMk/>
+          <pc:sldMk cId="2338020960" sldId="257"/>
+        </pc:sldMkLst>
+        <pc:spChg chg="mod">
+          <ac:chgData name="BLanc BLanc" userId="8e5ab073e8e77f61" providerId="LiveId" clId="{9FA26ACA-D9B9-4F86-9700-2B0629D9CD5D}" dt="2020-11-25T16:10:50.483" v="390" actId="255"/>
+          <ac:spMkLst>
+            <pc:docMk/>
+            <pc:sldMk cId="2338020960" sldId="257"/>
+            <ac:spMk id="3" creationId="{FC81E5FF-61DD-4D0F-91D9-39E7001989D6}"/>
+          </ac:spMkLst>
+        </pc:spChg>
+        <pc:spChg chg="mod">
+          <ac:chgData name="BLanc BLanc" userId="8e5ab073e8e77f61" providerId="LiveId" clId="{9FA26ACA-D9B9-4F86-9700-2B0629D9CD5D}" dt="2020-11-25T16:10:22.372" v="386" actId="255"/>
+          <ac:spMkLst>
+            <pc:docMk/>
+            <pc:sldMk cId="2338020960" sldId="257"/>
+            <ac:spMk id="4" creationId="{0CC59386-3556-47E0-8624-59E0C0FF939D}"/>
+          </ac:spMkLst>
+        </pc:spChg>
+      </pc:sldChg>
+      <pc:sldChg chg="modSp mod">
+        <pc:chgData name="BLanc BLanc" userId="8e5ab073e8e77f61" providerId="LiveId" clId="{9FA26ACA-D9B9-4F86-9700-2B0629D9CD5D}" dt="2020-11-25T16:10:45.289" v="389" actId="255"/>
+        <pc:sldMkLst>
+          <pc:docMk/>
+          <pc:sldMk cId="4014074140" sldId="258"/>
+        </pc:sldMkLst>
+        <pc:spChg chg="mod">
+          <ac:chgData name="BLanc BLanc" userId="8e5ab073e8e77f61" providerId="LiveId" clId="{9FA26ACA-D9B9-4F86-9700-2B0629D9CD5D}" dt="2020-11-25T16:10:40.738" v="388" actId="255"/>
+          <ac:spMkLst>
+            <pc:docMk/>
+            <pc:sldMk cId="4014074140" sldId="258"/>
+            <ac:spMk id="2" creationId="{DA93FE6F-4062-42EA-A535-B403CA0A54DB}"/>
+          </ac:spMkLst>
+        </pc:spChg>
+        <pc:spChg chg="mod">
+          <ac:chgData name="BLanc BLanc" userId="8e5ab073e8e77f61" providerId="LiveId" clId="{9FA26ACA-D9B9-4F86-9700-2B0629D9CD5D}" dt="2020-11-25T16:10:45.289" v="389" actId="255"/>
+          <ac:spMkLst>
+            <pc:docMk/>
+            <pc:sldMk cId="4014074140" sldId="258"/>
+            <ac:spMk id="3" creationId="{B287B7F7-9C12-47A0-BFBB-CE1D88522549}"/>
+          </ac:spMkLst>
+        </pc:spChg>
+      </pc:sldChg>
+      <pc:sldChg chg="addSp delSp modSp mod">
+        <pc:chgData name="BLanc BLanc" userId="8e5ab073e8e77f61" providerId="LiveId" clId="{9FA26ACA-D9B9-4F86-9700-2B0629D9CD5D}" dt="2020-11-25T16:04:27.775" v="299" actId="20577"/>
+        <pc:sldMkLst>
+          <pc:docMk/>
+          <pc:sldMk cId="1255264039" sldId="259"/>
+        </pc:sldMkLst>
+        <pc:spChg chg="mod">
+          <ac:chgData name="BLanc BLanc" userId="8e5ab073e8e77f61" providerId="LiveId" clId="{9FA26ACA-D9B9-4F86-9700-2B0629D9CD5D}" dt="2020-11-25T16:04:27.775" v="299" actId="20577"/>
+          <ac:spMkLst>
+            <pc:docMk/>
+            <pc:sldMk cId="1255264039" sldId="259"/>
+            <ac:spMk id="2" creationId="{E93CED4D-AEB5-4FF6-AB86-3B11136955D7}"/>
+          </ac:spMkLst>
+        </pc:spChg>
+        <pc:spChg chg="add del mod">
+          <ac:chgData name="BLanc BLanc" userId="8e5ab073e8e77f61" providerId="LiveId" clId="{9FA26ACA-D9B9-4F86-9700-2B0629D9CD5D}" dt="2020-11-25T16:04:26.439" v="298" actId="20577"/>
+          <ac:spMkLst>
+            <pc:docMk/>
+            <pc:sldMk cId="1255264039" sldId="259"/>
+            <ac:spMk id="3" creationId="{D72D7D22-63BE-4E5E-A4C3-AFA8DEE2D4B3}"/>
+          </ac:spMkLst>
+        </pc:spChg>
+        <pc:spChg chg="add del mod">
+          <ac:chgData name="BLanc BLanc" userId="8e5ab073e8e77f61" providerId="LiveId" clId="{9FA26ACA-D9B9-4F86-9700-2B0629D9CD5D}" dt="2020-11-25T16:03:37.163" v="295" actId="21"/>
+          <ac:spMkLst>
+            <pc:docMk/>
+            <pc:sldMk cId="1255264039" sldId="259"/>
+            <ac:spMk id="5" creationId="{E127C889-7947-4292-8128-41C0742D3775}"/>
+          </ac:spMkLst>
+        </pc:spChg>
+      </pc:sldChg>
+      <pc:sldChg chg="modSp mod">
+        <pc:chgData name="BLanc BLanc" userId="8e5ab073e8e77f61" providerId="LiveId" clId="{9FA26ACA-D9B9-4F86-9700-2B0629D9CD5D}" dt="2020-11-25T16:11:03.339" v="392" actId="255"/>
+        <pc:sldMkLst>
+          <pc:docMk/>
+          <pc:sldMk cId="1464764380" sldId="260"/>
+        </pc:sldMkLst>
+        <pc:spChg chg="mod">
+          <ac:chgData name="BLanc BLanc" userId="8e5ab073e8e77f61" providerId="LiveId" clId="{9FA26ACA-D9B9-4F86-9700-2B0629D9CD5D}" dt="2020-11-25T16:11:03.339" v="392" actId="255"/>
+          <ac:spMkLst>
+            <pc:docMk/>
+            <pc:sldMk cId="1464764380" sldId="260"/>
+            <ac:spMk id="2" creationId="{8A300339-04AE-4D62-88DE-3B51DF11CDFC}"/>
+          </ac:spMkLst>
+        </pc:spChg>
+        <pc:spChg chg="mod">
+          <ac:chgData name="BLanc BLanc" userId="8e5ab073e8e77f61" providerId="LiveId" clId="{9FA26ACA-D9B9-4F86-9700-2B0629D9CD5D}" dt="2020-11-25T16:04:56.477" v="303" actId="20577"/>
+          <ac:spMkLst>
+            <pc:docMk/>
+            <pc:sldMk cId="1464764380" sldId="260"/>
+            <ac:spMk id="3" creationId="{BB5F873E-69D5-4B20-A2B8-4F52F0B9A7EF}"/>
+          </ac:spMkLst>
+        </pc:spChg>
+      </pc:sldChg>
+      <pc:sldChg chg="modSp mod">
+        <pc:chgData name="BLanc BLanc" userId="8e5ab073e8e77f61" providerId="LiveId" clId="{9FA26ACA-D9B9-4F86-9700-2B0629D9CD5D}" dt="2020-11-25T16:11:23.426" v="394" actId="255"/>
+        <pc:sldMkLst>
+          <pc:docMk/>
+          <pc:sldMk cId="410865818" sldId="262"/>
+        </pc:sldMkLst>
+        <pc:spChg chg="mod">
+          <ac:chgData name="BLanc BLanc" userId="8e5ab073e8e77f61" providerId="LiveId" clId="{9FA26ACA-D9B9-4F86-9700-2B0629D9CD5D}" dt="2020-11-25T16:11:21.337" v="393" actId="255"/>
+          <ac:spMkLst>
+            <pc:docMk/>
+            <pc:sldMk cId="410865818" sldId="262"/>
+            <ac:spMk id="2" creationId="{6A2E6495-E2FD-47E1-BFFC-1B8E04073181}"/>
+          </ac:spMkLst>
+        </pc:spChg>
+        <pc:spChg chg="mod">
+          <ac:chgData name="BLanc BLanc" userId="8e5ab073e8e77f61" providerId="LiveId" clId="{9FA26ACA-D9B9-4F86-9700-2B0629D9CD5D}" dt="2020-11-25T16:11:23.426" v="394" actId="255"/>
+          <ac:spMkLst>
+            <pc:docMk/>
+            <pc:sldMk cId="410865818" sldId="262"/>
+            <ac:spMk id="3" creationId="{75DDE9D4-DB41-49E6-AD4B-7CD8393BBC98}"/>
+          </ac:spMkLst>
+        </pc:spChg>
+      </pc:sldChg>
+      <pc:sldChg chg="modSp mod">
+        <pc:chgData name="BLanc BLanc" userId="8e5ab073e8e77f61" providerId="LiveId" clId="{9FA26ACA-D9B9-4F86-9700-2B0629D9CD5D}" dt="2020-11-25T16:05:08.423" v="304" actId="20577"/>
+        <pc:sldMkLst>
+          <pc:docMk/>
+          <pc:sldMk cId="2056086986" sldId="263"/>
+        </pc:sldMkLst>
+        <pc:spChg chg="mod">
+          <ac:chgData name="BLanc BLanc" userId="8e5ab073e8e77f61" providerId="LiveId" clId="{9FA26ACA-D9B9-4F86-9700-2B0629D9CD5D}" dt="2020-11-25T16:05:08.423" v="304" actId="20577"/>
+          <ac:spMkLst>
+            <pc:docMk/>
+            <pc:sldMk cId="2056086986" sldId="263"/>
+            <ac:spMk id="4" creationId="{8C166243-7679-4194-8A60-082138A64605}"/>
+          </ac:spMkLst>
+        </pc:spChg>
+      </pc:sldChg>
+      <pc:sldChg chg="modSp mod">
+        <pc:chgData name="BLanc BLanc" userId="8e5ab073e8e77f61" providerId="LiveId" clId="{9FA26ACA-D9B9-4F86-9700-2B0629D9CD5D}" dt="2020-11-25T16:11:30.641" v="395" actId="255"/>
+        <pc:sldMkLst>
+          <pc:docMk/>
+          <pc:sldMk cId="3995240592" sldId="264"/>
+        </pc:sldMkLst>
+        <pc:spChg chg="mod">
+          <ac:chgData name="BLanc BLanc" userId="8e5ab073e8e77f61" providerId="LiveId" clId="{9FA26ACA-D9B9-4F86-9700-2B0629D9CD5D}" dt="2020-11-25T16:11:30.641" v="395" actId="255"/>
+          <ac:spMkLst>
+            <pc:docMk/>
+            <pc:sldMk cId="3995240592" sldId="264"/>
+            <ac:spMk id="2" creationId="{71DA267F-9865-48E2-831C-564D408ED693}"/>
+          </ac:spMkLst>
+        </pc:spChg>
+        <pc:spChg chg="mod">
+          <ac:chgData name="BLanc BLanc" userId="8e5ab073e8e77f61" providerId="LiveId" clId="{9FA26ACA-D9B9-4F86-9700-2B0629D9CD5D}" dt="2020-11-25T16:05:11.674" v="305" actId="20577"/>
+          <ac:spMkLst>
+            <pc:docMk/>
+            <pc:sldMk cId="3995240592" sldId="264"/>
+            <ac:spMk id="3" creationId="{024741BD-FD53-40BC-9F82-BA1D55027B34}"/>
+          </ac:spMkLst>
+        </pc:spChg>
+      </pc:sldChg>
+      <pc:sldChg chg="modSp mod">
+        <pc:chgData name="BLanc BLanc" userId="8e5ab073e8e77f61" providerId="LiveId" clId="{9FA26ACA-D9B9-4F86-9700-2B0629D9CD5D}" dt="2020-11-25T16:11:38.547" v="396" actId="255"/>
+        <pc:sldMkLst>
+          <pc:docMk/>
+          <pc:sldMk cId="835494440" sldId="265"/>
+        </pc:sldMkLst>
+        <pc:spChg chg="mod">
+          <ac:chgData name="BLanc BLanc" userId="8e5ab073e8e77f61" providerId="LiveId" clId="{9FA26ACA-D9B9-4F86-9700-2B0629D9CD5D}" dt="2020-11-25T16:11:38.547" v="396" actId="255"/>
+          <ac:spMkLst>
+            <pc:docMk/>
+            <pc:sldMk cId="835494440" sldId="265"/>
+            <ac:spMk id="2" creationId="{23AAF129-AF7D-4151-9685-21EE36F56B51}"/>
+          </ac:spMkLst>
+        </pc:spChg>
+      </pc:sldChg>
+      <pc:sldChg chg="modSp mod">
+        <pc:chgData name="BLanc BLanc" userId="8e5ab073e8e77f61" providerId="LiveId" clId="{9FA26ACA-D9B9-4F86-9700-2B0629D9CD5D}" dt="2020-11-25T16:12:40.598" v="404" actId="1076"/>
+        <pc:sldMkLst>
+          <pc:docMk/>
+          <pc:sldMk cId="1774439817" sldId="266"/>
+        </pc:sldMkLst>
+        <pc:spChg chg="mod">
+          <ac:chgData name="BLanc BLanc" userId="8e5ab073e8e77f61" providerId="LiveId" clId="{9FA26ACA-D9B9-4F86-9700-2B0629D9CD5D}" dt="2020-11-25T16:12:40.598" v="404" actId="1076"/>
+          <ac:spMkLst>
+            <pc:docMk/>
+            <pc:sldMk cId="1774439817" sldId="266"/>
+            <ac:spMk id="2" creationId="{F6B6D1CE-AAFD-4F38-AE7F-010FD07CB67C}"/>
+          </ac:spMkLst>
+        </pc:spChg>
+        <pc:spChg chg="mod">
+          <ac:chgData name="BLanc BLanc" userId="8e5ab073e8e77f61" providerId="LiveId" clId="{9FA26ACA-D9B9-4F86-9700-2B0629D9CD5D}" dt="2020-11-25T16:05:22.386" v="308" actId="20577"/>
+          <ac:spMkLst>
+            <pc:docMk/>
+            <pc:sldMk cId="1774439817" sldId="266"/>
+            <ac:spMk id="3" creationId="{8580F96E-C85E-42C6-B971-DFD20FB5708C}"/>
+          </ac:spMkLst>
+        </pc:spChg>
+      </pc:sldChg>
+      <pc:sldChg chg="modSp mod">
+        <pc:chgData name="BLanc BLanc" userId="8e5ab073e8e77f61" providerId="LiveId" clId="{9FA26ACA-D9B9-4F86-9700-2B0629D9CD5D}" dt="2020-11-25T16:12:38.103" v="403" actId="255"/>
+        <pc:sldMkLst>
+          <pc:docMk/>
+          <pc:sldMk cId="1290118755" sldId="267"/>
+        </pc:sldMkLst>
+        <pc:spChg chg="mod">
+          <ac:chgData name="BLanc BLanc" userId="8e5ab073e8e77f61" providerId="LiveId" clId="{9FA26ACA-D9B9-4F86-9700-2B0629D9CD5D}" dt="2020-11-25T16:11:50.487" v="398" actId="255"/>
+          <ac:spMkLst>
+            <pc:docMk/>
+            <pc:sldMk cId="1290118755" sldId="267"/>
+            <ac:spMk id="2" creationId="{5A9EA309-3CBB-41D5-A7BA-FE9BB5657E34}"/>
+          </ac:spMkLst>
+        </pc:spChg>
+        <pc:spChg chg="mod">
+          <ac:chgData name="BLanc BLanc" userId="8e5ab073e8e77f61" providerId="LiveId" clId="{9FA26ACA-D9B9-4F86-9700-2B0629D9CD5D}" dt="2020-11-25T16:12:38.103" v="403" actId="255"/>
+          <ac:spMkLst>
+            <pc:docMk/>
+            <pc:sldMk cId="1290118755" sldId="267"/>
+            <ac:spMk id="3" creationId="{DA779FE6-085A-4734-94E2-BFF095F6D61C}"/>
+          </ac:spMkLst>
+        </pc:spChg>
+      </pc:sldChg>
+      <pc:sldChg chg="modSp mod">
+        <pc:chgData name="BLanc BLanc" userId="8e5ab073e8e77f61" providerId="LiveId" clId="{9FA26ACA-D9B9-4F86-9700-2B0629D9CD5D}" dt="2020-11-25T16:11:55.672" v="399" actId="255"/>
+        <pc:sldMkLst>
+          <pc:docMk/>
+          <pc:sldMk cId="3412576997" sldId="268"/>
+        </pc:sldMkLst>
+        <pc:spChg chg="mod">
+          <ac:chgData name="BLanc BLanc" userId="8e5ab073e8e77f61" providerId="LiveId" clId="{9FA26ACA-D9B9-4F86-9700-2B0629D9CD5D}" dt="2020-11-25T16:11:55.672" v="399" actId="255"/>
+          <ac:spMkLst>
+            <pc:docMk/>
+            <pc:sldMk cId="3412576997" sldId="268"/>
+            <ac:spMk id="2" creationId="{CFB69723-4580-48B2-A626-B05887E49A13}"/>
+          </ac:spMkLst>
+        </pc:spChg>
+        <pc:spChg chg="mod">
+          <ac:chgData name="BLanc BLanc" userId="8e5ab073e8e77f61" providerId="LiveId" clId="{9FA26ACA-D9B9-4F86-9700-2B0629D9CD5D}" dt="2020-11-25T16:05:30.648" v="309" actId="20577"/>
+          <ac:spMkLst>
+            <pc:docMk/>
+            <pc:sldMk cId="3412576997" sldId="268"/>
+            <ac:spMk id="3" creationId="{CA423642-CF4A-4605-BE45-59C87CF2CD2D}"/>
+          </ac:spMkLst>
+        </pc:spChg>
+      </pc:sldChg>
+      <pc:sldChg chg="modSp mod">
+        <pc:chgData name="BLanc BLanc" userId="8e5ab073e8e77f61" providerId="LiveId" clId="{9FA26ACA-D9B9-4F86-9700-2B0629D9CD5D}" dt="2020-11-25T16:12:01.357" v="400" actId="255"/>
+        <pc:sldMkLst>
+          <pc:docMk/>
+          <pc:sldMk cId="2726077132" sldId="269"/>
+        </pc:sldMkLst>
+        <pc:spChg chg="mod">
+          <ac:chgData name="BLanc BLanc" userId="8e5ab073e8e77f61" providerId="LiveId" clId="{9FA26ACA-D9B9-4F86-9700-2B0629D9CD5D}" dt="2020-11-25T16:12:01.357" v="400" actId="255"/>
+          <ac:spMkLst>
+            <pc:docMk/>
+            <pc:sldMk cId="2726077132" sldId="269"/>
+            <ac:spMk id="2" creationId="{AE75927A-DE9B-459A-A09F-4CE223A00DBB}"/>
+          </ac:spMkLst>
+        </pc:spChg>
+      </pc:sldChg>
+      <pc:sldChg chg="modSp mod">
+        <pc:chgData name="BLanc BLanc" userId="8e5ab073e8e77f61" providerId="LiveId" clId="{9FA26ACA-D9B9-4F86-9700-2B0629D9CD5D}" dt="2020-11-25T16:12:04.513" v="401" actId="255"/>
+        <pc:sldMkLst>
+          <pc:docMk/>
+          <pc:sldMk cId="4157854762" sldId="270"/>
+        </pc:sldMkLst>
+        <pc:spChg chg="mod">
+          <ac:chgData name="BLanc BLanc" userId="8e5ab073e8e77f61" providerId="LiveId" clId="{9FA26ACA-D9B9-4F86-9700-2B0629D9CD5D}" dt="2020-11-25T16:12:04.513" v="401" actId="255"/>
+          <ac:spMkLst>
+            <pc:docMk/>
+            <pc:sldMk cId="4157854762" sldId="270"/>
+            <ac:spMk id="2" creationId="{D816616C-4D56-41A9-86F9-4CE472DE0F45}"/>
+          </ac:spMkLst>
+        </pc:spChg>
+        <pc:spChg chg="mod">
+          <ac:chgData name="BLanc BLanc" userId="8e5ab073e8e77f61" providerId="LiveId" clId="{9FA26ACA-D9B9-4F86-9700-2B0629D9CD5D}" dt="2020-11-25T16:05:38.528" v="310" actId="20577"/>
+          <ac:spMkLst>
+            <pc:docMk/>
+            <pc:sldMk cId="4157854762" sldId="270"/>
+            <ac:spMk id="3" creationId="{60CD0166-2B1D-4E45-B703-C56CF0373096}"/>
+          </ac:spMkLst>
+        </pc:spChg>
+      </pc:sldChg>
+      <pc:sldChg chg="modSp mod">
+        <pc:chgData name="BLanc BLanc" userId="8e5ab073e8e77f61" providerId="LiveId" clId="{9FA26ACA-D9B9-4F86-9700-2B0629D9CD5D}" dt="2020-11-25T16:09:53.348" v="382" actId="255"/>
+        <pc:sldMkLst>
+          <pc:docMk/>
+          <pc:sldMk cId="2541948605" sldId="271"/>
+        </pc:sldMkLst>
+        <pc:spChg chg="mod">
+          <ac:chgData name="BLanc BLanc" userId="8e5ab073e8e77f61" providerId="LiveId" clId="{9FA26ACA-D9B9-4F86-9700-2B0629D9CD5D}" dt="2020-11-25T16:09:53.348" v="382" actId="255"/>
+          <ac:spMkLst>
+            <pc:docMk/>
+            <pc:sldMk cId="2541948605" sldId="271"/>
+            <ac:spMk id="2" creationId="{5DB80DAD-EB0A-4672-85F2-D262FDD034E0}"/>
+          </ac:spMkLst>
+        </pc:spChg>
+      </pc:sldChg>
+      <pc:sldChg chg="modSp mod">
+        <pc:chgData name="BLanc BLanc" userId="8e5ab073e8e77f61" providerId="LiveId" clId="{9FA26ACA-D9B9-4F86-9700-2B0629D9CD5D}" dt="2020-11-25T16:09:57.032" v="383" actId="255"/>
+        <pc:sldMkLst>
+          <pc:docMk/>
+          <pc:sldMk cId="570798167" sldId="272"/>
+        </pc:sldMkLst>
+        <pc:spChg chg="mod">
+          <ac:chgData name="BLanc BLanc" userId="8e5ab073e8e77f61" providerId="LiveId" clId="{9FA26ACA-D9B9-4F86-9700-2B0629D9CD5D}" dt="2020-11-25T16:09:57.032" v="383" actId="255"/>
+          <ac:spMkLst>
+            <pc:docMk/>
+            <pc:sldMk cId="570798167" sldId="272"/>
+            <ac:spMk id="2" creationId="{C03429DE-3155-4DF9-9D71-7814A49F1DA8}"/>
+          </ac:spMkLst>
+        </pc:spChg>
+        <pc:spChg chg="mod">
+          <ac:chgData name="BLanc BLanc" userId="8e5ab073e8e77f61" providerId="LiveId" clId="{9FA26ACA-D9B9-4F86-9700-2B0629D9CD5D}" dt="2020-11-25T16:05:43.124" v="311" actId="20577"/>
+          <ac:spMkLst>
+            <pc:docMk/>
+            <pc:sldMk cId="570798167" sldId="272"/>
+            <ac:spMk id="3" creationId="{36A6CB09-D4ED-4BCB-A01F-51E561FC5E77}"/>
+          </ac:spMkLst>
+        </pc:spChg>
+      </pc:sldChg>
+      <pc:sldChg chg="modSp mod">
+        <pc:chgData name="BLanc BLanc" userId="8e5ab073e8e77f61" providerId="LiveId" clId="{9FA26ACA-D9B9-4F86-9700-2B0629D9CD5D}" dt="2020-11-25T16:10:01.770" v="385" actId="27636"/>
+        <pc:sldMkLst>
+          <pc:docMk/>
+          <pc:sldMk cId="2437195959" sldId="273"/>
+        </pc:sldMkLst>
+        <pc:spChg chg="mod">
+          <ac:chgData name="BLanc BLanc" userId="8e5ab073e8e77f61" providerId="LiveId" clId="{9FA26ACA-D9B9-4F86-9700-2B0629D9CD5D}" dt="2020-11-25T16:10:01.770" v="385" actId="27636"/>
+          <ac:spMkLst>
+            <pc:docMk/>
+            <pc:sldMk cId="2437195959" sldId="273"/>
+            <ac:spMk id="2" creationId="{808EE6D3-0641-43F8-A036-D0C2B93380C2}"/>
+          </ac:spMkLst>
+        </pc:spChg>
+      </pc:sldChg>
+      <pc:sldChg chg="modSp mod">
+        <pc:chgData name="BLanc BLanc" userId="8e5ab073e8e77f61" providerId="LiveId" clId="{9FA26ACA-D9B9-4F86-9700-2B0629D9CD5D}" dt="2020-11-25T16:12:58.964" v="405" actId="255"/>
+        <pc:sldMkLst>
+          <pc:docMk/>
+          <pc:sldMk cId="3104443778" sldId="274"/>
+        </pc:sldMkLst>
+        <pc:spChg chg="mod">
+          <ac:chgData name="BLanc BLanc" userId="8e5ab073e8e77f61" providerId="LiveId" clId="{9FA26ACA-D9B9-4F86-9700-2B0629D9CD5D}" dt="2020-11-25T16:12:58.964" v="405" actId="255"/>
+          <ac:spMkLst>
+            <pc:docMk/>
+            <pc:sldMk cId="3104443778" sldId="274"/>
+            <ac:spMk id="2" creationId="{298CEDCB-3E7B-4409-9B82-F70F45C77E5D}"/>
+          </ac:spMkLst>
+        </pc:spChg>
+      </pc:sldChg>
+      <pc:sldChg chg="modSp mod">
+        <pc:chgData name="BLanc BLanc" userId="8e5ab073e8e77f61" providerId="LiveId" clId="{9FA26ACA-D9B9-4F86-9700-2B0629D9CD5D}" dt="2020-11-25T16:13:03.295" v="406" actId="255"/>
+        <pc:sldMkLst>
+          <pc:docMk/>
+          <pc:sldMk cId="1077338768" sldId="275"/>
+        </pc:sldMkLst>
+        <pc:spChg chg="mod">
+          <ac:chgData name="BLanc BLanc" userId="8e5ab073e8e77f61" providerId="LiveId" clId="{9FA26ACA-D9B9-4F86-9700-2B0629D9CD5D}" dt="2020-11-25T16:13:03.295" v="406" actId="255"/>
+          <ac:spMkLst>
+            <pc:docMk/>
+            <pc:sldMk cId="1077338768" sldId="275"/>
+            <ac:spMk id="2" creationId="{383A293A-42F3-4E08-9EE3-AC2ECB59836E}"/>
+          </ac:spMkLst>
+        </pc:spChg>
+      </pc:sldChg>
+      <pc:sldChg chg="modSp mod">
+        <pc:chgData name="BLanc BLanc" userId="8e5ab073e8e77f61" providerId="LiveId" clId="{9FA26ACA-D9B9-4F86-9700-2B0629D9CD5D}" dt="2020-11-25T16:13:09.607" v="407" actId="255"/>
+        <pc:sldMkLst>
+          <pc:docMk/>
+          <pc:sldMk cId="535150086" sldId="276"/>
+        </pc:sldMkLst>
+        <pc:spChg chg="mod">
+          <ac:chgData name="BLanc BLanc" userId="8e5ab073e8e77f61" providerId="LiveId" clId="{9FA26ACA-D9B9-4F86-9700-2B0629D9CD5D}" dt="2020-11-25T16:13:09.607" v="407" actId="255"/>
+          <ac:spMkLst>
+            <pc:docMk/>
+            <pc:sldMk cId="535150086" sldId="276"/>
+            <ac:spMk id="2" creationId="{4205A723-20E0-444F-8788-5AB64CC40CB0}"/>
+          </ac:spMkLst>
+        </pc:spChg>
+        <pc:spChg chg="mod">
+          <ac:chgData name="BLanc BLanc" userId="8e5ab073e8e77f61" providerId="LiveId" clId="{9FA26ACA-D9B9-4F86-9700-2B0629D9CD5D}" dt="2020-11-25T16:05:50.495" v="312" actId="20577"/>
+          <ac:spMkLst>
+            <pc:docMk/>
+            <pc:sldMk cId="535150086" sldId="276"/>
+            <ac:spMk id="3" creationId="{090FCAF0-BB86-4984-ADAF-DC5052FFCC34}"/>
+          </ac:spMkLst>
+        </pc:spChg>
+      </pc:sldChg>
+      <pc:sldChg chg="modSp mod">
+        <pc:chgData name="BLanc BLanc" userId="8e5ab073e8e77f61" providerId="LiveId" clId="{9FA26ACA-D9B9-4F86-9700-2B0629D9CD5D}" dt="2020-11-25T16:13:12.794" v="408" actId="255"/>
+        <pc:sldMkLst>
+          <pc:docMk/>
+          <pc:sldMk cId="2957595605" sldId="277"/>
+        </pc:sldMkLst>
+        <pc:spChg chg="mod">
+          <ac:chgData name="BLanc BLanc" userId="8e5ab073e8e77f61" providerId="LiveId" clId="{9FA26ACA-D9B9-4F86-9700-2B0629D9CD5D}" dt="2020-11-25T16:13:12.794" v="408" actId="255"/>
+          <ac:spMkLst>
+            <pc:docMk/>
+            <pc:sldMk cId="2957595605" sldId="277"/>
+            <ac:spMk id="2" creationId="{00227FB2-A0A9-48E4-8C20-49D039BBFA8F}"/>
+          </ac:spMkLst>
+        </pc:spChg>
+      </pc:sldChg>
+      <pc:sldChg chg="modSp mod">
+        <pc:chgData name="BLanc BLanc" userId="8e5ab073e8e77f61" providerId="LiveId" clId="{9FA26ACA-D9B9-4F86-9700-2B0629D9CD5D}" dt="2020-11-25T16:13:17.904" v="409" actId="255"/>
+        <pc:sldMkLst>
+          <pc:docMk/>
+          <pc:sldMk cId="3230190490" sldId="278"/>
+        </pc:sldMkLst>
+        <pc:spChg chg="mod">
+          <ac:chgData name="BLanc BLanc" userId="8e5ab073e8e77f61" providerId="LiveId" clId="{9FA26ACA-D9B9-4F86-9700-2B0629D9CD5D}" dt="2020-11-25T16:13:17.904" v="409" actId="255"/>
+          <ac:spMkLst>
+            <pc:docMk/>
+            <pc:sldMk cId="3230190490" sldId="278"/>
+            <ac:spMk id="2" creationId="{5F76309E-A723-46D7-81F4-33701148A489}"/>
+          </ac:spMkLst>
+        </pc:spChg>
+      </pc:sldChg>
+      <pc:sldChg chg="modSp mod">
+        <pc:chgData name="BLanc BLanc" userId="8e5ab073e8e77f61" providerId="LiveId" clId="{9FA26ACA-D9B9-4F86-9700-2B0629D9CD5D}" dt="2020-11-25T16:13:23.578" v="410" actId="255"/>
+        <pc:sldMkLst>
+          <pc:docMk/>
+          <pc:sldMk cId="1879784007" sldId="279"/>
+        </pc:sldMkLst>
+        <pc:spChg chg="mod">
+          <ac:chgData name="BLanc BLanc" userId="8e5ab073e8e77f61" providerId="LiveId" clId="{9FA26ACA-D9B9-4F86-9700-2B0629D9CD5D}" dt="2020-11-25T16:13:23.578" v="410" actId="255"/>
+          <ac:spMkLst>
+            <pc:docMk/>
+            <pc:sldMk cId="1879784007" sldId="279"/>
+            <ac:spMk id="2" creationId="{A8DDD0A4-BE99-4667-B2E6-38488A428F30}"/>
+          </ac:spMkLst>
+        </pc:spChg>
+        <pc:spChg chg="mod">
+          <ac:chgData name="BLanc BLanc" userId="8e5ab073e8e77f61" providerId="LiveId" clId="{9FA26ACA-D9B9-4F86-9700-2B0629D9CD5D}" dt="2020-11-25T16:06:05.215" v="316" actId="20577"/>
+          <ac:spMkLst>
+            <pc:docMk/>
+            <pc:sldMk cId="1879784007" sldId="279"/>
+            <ac:spMk id="3" creationId="{ACFFAB21-E446-4BE0-B26C-23DB36D4AC0E}"/>
+          </ac:spMkLst>
+        </pc:spChg>
+      </pc:sldChg>
+      <pc:sldChg chg="modSp mod">
+        <pc:chgData name="BLanc BLanc" userId="8e5ab073e8e77f61" providerId="LiveId" clId="{9FA26ACA-D9B9-4F86-9700-2B0629D9CD5D}" dt="2020-11-25T16:13:28.427" v="411" actId="255"/>
+        <pc:sldMkLst>
+          <pc:docMk/>
+          <pc:sldMk cId="2375308790" sldId="280"/>
+        </pc:sldMkLst>
+        <pc:spChg chg="mod">
+          <ac:chgData name="BLanc BLanc" userId="8e5ab073e8e77f61" providerId="LiveId" clId="{9FA26ACA-D9B9-4F86-9700-2B0629D9CD5D}" dt="2020-11-25T16:13:28.427" v="411" actId="255"/>
+          <ac:spMkLst>
+            <pc:docMk/>
+            <pc:sldMk cId="2375308790" sldId="280"/>
+            <ac:spMk id="2" creationId="{ED77510C-056D-4252-9AEF-511338D7B812}"/>
+          </ac:spMkLst>
+        </pc:spChg>
+      </pc:sldChg>
+      <pc:sldChg chg="modSp mod">
+        <pc:chgData name="BLanc BLanc" userId="8e5ab073e8e77f61" providerId="LiveId" clId="{9FA26ACA-D9B9-4F86-9700-2B0629D9CD5D}" dt="2020-11-25T16:13:33.504" v="412" actId="255"/>
+        <pc:sldMkLst>
+          <pc:docMk/>
+          <pc:sldMk cId="3443525475" sldId="281"/>
+        </pc:sldMkLst>
+        <pc:spChg chg="mod">
+          <ac:chgData name="BLanc BLanc" userId="8e5ab073e8e77f61" providerId="LiveId" clId="{9FA26ACA-D9B9-4F86-9700-2B0629D9CD5D}" dt="2020-11-25T16:13:33.504" v="412" actId="255"/>
+          <ac:spMkLst>
+            <pc:docMk/>
+            <pc:sldMk cId="3443525475" sldId="281"/>
+            <ac:spMk id="2" creationId="{24D4A914-6CD3-4E2D-9D26-1DD7EFE8BDAE}"/>
+          </ac:spMkLst>
+        </pc:spChg>
+      </pc:sldChg>
+      <pc:sldChg chg="modSp mod">
+        <pc:chgData name="BLanc BLanc" userId="8e5ab073e8e77f61" providerId="LiveId" clId="{9FA26ACA-D9B9-4F86-9700-2B0629D9CD5D}" dt="2020-11-25T16:13:52.437" v="416" actId="255"/>
+        <pc:sldMkLst>
+          <pc:docMk/>
+          <pc:sldMk cId="409971118" sldId="282"/>
+        </pc:sldMkLst>
+        <pc:spChg chg="mod">
+          <ac:chgData name="BLanc BLanc" userId="8e5ab073e8e77f61" providerId="LiveId" clId="{9FA26ACA-D9B9-4F86-9700-2B0629D9CD5D}" dt="2020-11-25T16:13:52.437" v="416" actId="255"/>
+          <ac:spMkLst>
+            <pc:docMk/>
+            <pc:sldMk cId="409971118" sldId="282"/>
+            <ac:spMk id="2" creationId="{46639A84-9CDF-4781-9BDB-A90CD1F06359}"/>
+          </ac:spMkLst>
+        </pc:spChg>
+      </pc:sldChg>
+      <pc:sldChg chg="modSp mod">
+        <pc:chgData name="BLanc BLanc" userId="8e5ab073e8e77f61" providerId="LiveId" clId="{9FA26ACA-D9B9-4F86-9700-2B0629D9CD5D}" dt="2020-11-25T16:13:38.738" v="413" actId="255"/>
+        <pc:sldMkLst>
+          <pc:docMk/>
+          <pc:sldMk cId="3565500453" sldId="283"/>
+        </pc:sldMkLst>
+        <pc:spChg chg="mod">
+          <ac:chgData name="BLanc BLanc" userId="8e5ab073e8e77f61" providerId="LiveId" clId="{9FA26ACA-D9B9-4F86-9700-2B0629D9CD5D}" dt="2020-11-25T16:13:38.738" v="413" actId="255"/>
+          <ac:spMkLst>
+            <pc:docMk/>
+            <pc:sldMk cId="3565500453" sldId="283"/>
+            <ac:spMk id="2" creationId="{692998DA-8BD1-4681-85B0-6F20B1EB2B1E}"/>
+          </ac:spMkLst>
+        </pc:spChg>
+      </pc:sldChg>
+      <pc:sldChg chg="modSp mod">
+        <pc:chgData name="BLanc BLanc" userId="8e5ab073e8e77f61" providerId="LiveId" clId="{9FA26ACA-D9B9-4F86-9700-2B0629D9CD5D}" dt="2020-11-25T16:13:47.944" v="415" actId="255"/>
+        <pc:sldMkLst>
+          <pc:docMk/>
+          <pc:sldMk cId="1902945914" sldId="284"/>
+        </pc:sldMkLst>
+        <pc:spChg chg="mod">
+          <ac:chgData name="BLanc BLanc" userId="8e5ab073e8e77f61" providerId="LiveId" clId="{9FA26ACA-D9B9-4F86-9700-2B0629D9CD5D}" dt="2020-11-25T16:13:47.944" v="415" actId="255"/>
+          <ac:spMkLst>
+            <pc:docMk/>
+            <pc:sldMk cId="1902945914" sldId="284"/>
+            <ac:spMk id="2" creationId="{8F21F30D-6C6C-409F-8F25-74D3352BC33A}"/>
+          </ac:spMkLst>
+        </pc:spChg>
+      </pc:sldChg>
+      <pc:sldChg chg="modSp mod">
+        <pc:chgData name="BLanc BLanc" userId="8e5ab073e8e77f61" providerId="LiveId" clId="{9FA26ACA-D9B9-4F86-9700-2B0629D9CD5D}" dt="2020-11-25T16:13:44.005" v="414" actId="255"/>
+        <pc:sldMkLst>
+          <pc:docMk/>
+          <pc:sldMk cId="613138214" sldId="285"/>
+        </pc:sldMkLst>
+        <pc:spChg chg="mod">
+          <ac:chgData name="BLanc BLanc" userId="8e5ab073e8e77f61" providerId="LiveId" clId="{9FA26ACA-D9B9-4F86-9700-2B0629D9CD5D}" dt="2020-11-25T16:13:44.005" v="414" actId="255"/>
+          <ac:spMkLst>
+            <pc:docMk/>
+            <pc:sldMk cId="613138214" sldId="285"/>
+            <ac:spMk id="2" creationId="{184FDF20-D7BB-42B2-8D0C-99DF19AE5E32}"/>
+          </ac:spMkLst>
+        </pc:spChg>
+      </pc:sldChg>
+      <pc:sldChg chg="modSp mod">
+        <pc:chgData name="BLanc BLanc" userId="8e5ab073e8e77f61" providerId="LiveId" clId="{9FA26ACA-D9B9-4F86-9700-2B0629D9CD5D}" dt="2020-11-25T16:13:57.153" v="417" actId="255"/>
+        <pc:sldMkLst>
+          <pc:docMk/>
+          <pc:sldMk cId="300922367" sldId="286"/>
+        </pc:sldMkLst>
+        <pc:spChg chg="mod">
+          <ac:chgData name="BLanc BLanc" userId="8e5ab073e8e77f61" providerId="LiveId" clId="{9FA26ACA-D9B9-4F86-9700-2B0629D9CD5D}" dt="2020-11-25T16:13:57.153" v="417" actId="255"/>
+          <ac:spMkLst>
+            <pc:docMk/>
+            <pc:sldMk cId="300922367" sldId="286"/>
+            <ac:spMk id="2" creationId="{7EAD08FD-18AC-4644-B19F-18D541C15FB5}"/>
+          </ac:spMkLst>
+        </pc:spChg>
+      </pc:sldChg>
+      <pc:sldChg chg="modSp mod">
+        <pc:chgData name="BLanc BLanc" userId="8e5ab073e8e77f61" providerId="LiveId" clId="{9FA26ACA-D9B9-4F86-9700-2B0629D9CD5D}" dt="2020-11-25T16:14:01.554" v="418" actId="255"/>
+        <pc:sldMkLst>
+          <pc:docMk/>
+          <pc:sldMk cId="564758300" sldId="287"/>
+        </pc:sldMkLst>
+        <pc:spChg chg="mod">
+          <ac:chgData name="BLanc BLanc" userId="8e5ab073e8e77f61" providerId="LiveId" clId="{9FA26ACA-D9B9-4F86-9700-2B0629D9CD5D}" dt="2020-11-25T16:14:01.554" v="418" actId="255"/>
+          <ac:spMkLst>
+            <pc:docMk/>
+            <pc:sldMk cId="564758300" sldId="287"/>
+            <ac:spMk id="2" creationId="{F2062080-A264-407F-94F3-D97823506BF1}"/>
+          </ac:spMkLst>
+        </pc:spChg>
+        <pc:spChg chg="mod">
+          <ac:chgData name="BLanc BLanc" userId="8e5ab073e8e77f61" providerId="LiveId" clId="{9FA26ACA-D9B9-4F86-9700-2B0629D9CD5D}" dt="2020-11-25T16:06:22.919" v="321" actId="20577"/>
+          <ac:spMkLst>
+            <pc:docMk/>
+            <pc:sldMk cId="564758300" sldId="287"/>
+            <ac:spMk id="3" creationId="{81F751DF-ED19-4301-AAA2-53C9787C3761}"/>
+          </ac:spMkLst>
+        </pc:spChg>
+      </pc:sldChg>
+      <pc:sldChg chg="modSp mod">
+        <pc:chgData name="BLanc BLanc" userId="8e5ab073e8e77f61" providerId="LiveId" clId="{9FA26ACA-D9B9-4F86-9700-2B0629D9CD5D}" dt="2020-11-25T16:14:06.587" v="419" actId="255"/>
+        <pc:sldMkLst>
+          <pc:docMk/>
+          <pc:sldMk cId="746291826" sldId="289"/>
+        </pc:sldMkLst>
+        <pc:spChg chg="mod">
+          <ac:chgData name="BLanc BLanc" userId="8e5ab073e8e77f61" providerId="LiveId" clId="{9FA26ACA-D9B9-4F86-9700-2B0629D9CD5D}" dt="2020-11-25T16:14:06.587" v="419" actId="255"/>
+          <ac:spMkLst>
+            <pc:docMk/>
+            <pc:sldMk cId="746291826" sldId="289"/>
+            <ac:spMk id="2" creationId="{44E4E164-F005-4B7E-9467-18082608D047}"/>
+          </ac:spMkLst>
+        </pc:spChg>
+      </pc:sldChg>
+      <pc:sldChg chg="modSp mod">
+        <pc:chgData name="BLanc BLanc" userId="8e5ab073e8e77f61" providerId="LiveId" clId="{9FA26ACA-D9B9-4F86-9700-2B0629D9CD5D}" dt="2020-11-25T16:14:11.912" v="420" actId="255"/>
+        <pc:sldMkLst>
+          <pc:docMk/>
+          <pc:sldMk cId="4055255060" sldId="291"/>
+        </pc:sldMkLst>
+        <pc:spChg chg="mod">
+          <ac:chgData name="BLanc BLanc" userId="8e5ab073e8e77f61" providerId="LiveId" clId="{9FA26ACA-D9B9-4F86-9700-2B0629D9CD5D}" dt="2020-11-25T16:14:11.912" v="420" actId="255"/>
+          <ac:spMkLst>
+            <pc:docMk/>
+            <pc:sldMk cId="4055255060" sldId="291"/>
+            <ac:spMk id="2" creationId="{DDB4B8C6-F31F-465B-A5D7-43239A454B95}"/>
+          </ac:spMkLst>
+        </pc:spChg>
+      </pc:sldChg>
+      <pc:sldChg chg="modSp mod">
+        <pc:chgData name="BLanc BLanc" userId="8e5ab073e8e77f61" providerId="LiveId" clId="{9FA26ACA-D9B9-4F86-9700-2B0629D9CD5D}" dt="2020-11-25T16:14:20.813" v="421" actId="255"/>
+        <pc:sldMkLst>
+          <pc:docMk/>
+          <pc:sldMk cId="2319557671" sldId="293"/>
+        </pc:sldMkLst>
+        <pc:spChg chg="mod">
+          <ac:chgData name="BLanc BLanc" userId="8e5ab073e8e77f61" providerId="LiveId" clId="{9FA26ACA-D9B9-4F86-9700-2B0629D9CD5D}" dt="2020-11-25T16:14:20.813" v="421" actId="255"/>
+          <ac:spMkLst>
+            <pc:docMk/>
+            <pc:sldMk cId="2319557671" sldId="293"/>
+            <ac:spMk id="2" creationId="{71ABB00C-2C01-4588-A9A4-69FCC1F017C6}"/>
+          </ac:spMkLst>
+        </pc:spChg>
+      </pc:sldChg>
+      <pc:sldChg chg="modSp mod">
+        <pc:chgData name="BLanc BLanc" userId="8e5ab073e8e77f61" providerId="LiveId" clId="{9FA26ACA-D9B9-4F86-9700-2B0629D9CD5D}" dt="2020-11-25T16:14:26.162" v="422" actId="255"/>
+        <pc:sldMkLst>
+          <pc:docMk/>
+          <pc:sldMk cId="2383246781" sldId="294"/>
+        </pc:sldMkLst>
+        <pc:spChg chg="mod">
+          <ac:chgData name="BLanc BLanc" userId="8e5ab073e8e77f61" providerId="LiveId" clId="{9FA26ACA-D9B9-4F86-9700-2B0629D9CD5D}" dt="2020-11-25T16:14:26.162" v="422" actId="255"/>
+          <ac:spMkLst>
+            <pc:docMk/>
+            <pc:sldMk cId="2383246781" sldId="294"/>
+            <ac:spMk id="2" creationId="{70A33B32-F151-437A-8429-E8811BD5263A}"/>
           </ac:spMkLst>
         </pc:spChg>
       </pc:sldChg>
@@ -3611,19 +4241,19 @@
           <a:p>
             <a:pPr algn="ctr"/>
             <a:r>
-              <a:rPr lang="en-US" sz="2000" dirty="0">
-                <a:latin typeface="Times New Roman" panose="02020603050405020304" pitchFamily="18" charset="0"/>
-                <a:cs typeface="Times New Roman" panose="02020603050405020304" pitchFamily="18" charset="0"/>
-              </a:rPr>
-              <a:t>	The idea of ​​the algorithm:</a:t>
+              <a:rPr lang="en-US" sz="1600" dirty="0">
+                <a:latin typeface="Times New Roman" panose="02020603050405020304" pitchFamily="18" charset="0"/>
+                <a:cs typeface="Times New Roman" panose="02020603050405020304" pitchFamily="18" charset="0"/>
+              </a:rPr>
+              <a:t>	The idea of ​​the algorithm :</a:t>
             </a:r>
             <a:br>
-              <a:rPr lang="en-US" sz="2000" dirty="0">
+              <a:rPr lang="en-US" sz="1600" dirty="0">
                 <a:latin typeface="Times New Roman" panose="02020603050405020304" pitchFamily="18" charset="0"/>
                 <a:cs typeface="Times New Roman" panose="02020603050405020304" pitchFamily="18" charset="0"/>
               </a:rPr>
             </a:br>
-            <a:endParaRPr lang="en-US" sz="2000" dirty="0">
+            <a:endParaRPr lang="en-US" sz="1600" dirty="0">
               <a:latin typeface="Times New Roman" panose="02020603050405020304" pitchFamily="18" charset="0"/>
               <a:cs typeface="Times New Roman" panose="02020603050405020304" pitchFamily="18" charset="0"/>
             </a:endParaRPr>
@@ -3801,7 +4431,12 @@
             <p:ph type="title"/>
           </p:nvPr>
         </p:nvSpPr>
-        <p:spPr/>
+        <p:spPr>
+          <a:xfrm>
+            <a:off x="838200" y="399631"/>
+            <a:ext cx="10515600" cy="1325563"/>
+          </a:xfrm>
+        </p:spPr>
         <p:txBody>
           <a:bodyPr>
             <a:normAutofit/>
@@ -3810,11 +4445,11 @@
           <a:p>
             <a:pPr algn="ctr"/>
             <a:r>
-              <a:rPr lang="en-US" sz="2000" dirty="0">
-                <a:latin typeface="Times New Roman" panose="02020603050405020304" pitchFamily="18" charset="0"/>
-                <a:cs typeface="Times New Roman" panose="02020603050405020304" pitchFamily="18" charset="0"/>
-              </a:rPr>
-              <a:t>Examples for the algorithm:</a:t>
+              <a:rPr lang="en-US" sz="1600" dirty="0">
+                <a:latin typeface="Times New Roman" panose="02020603050405020304" pitchFamily="18" charset="0"/>
+                <a:cs typeface="Times New Roman" panose="02020603050405020304" pitchFamily="18" charset="0"/>
+              </a:rPr>
+              <a:t>Examples for the algorithm :</a:t>
             </a:r>
           </a:p>
         </p:txBody>
@@ -3850,7 +4485,7 @@
                 <a:latin typeface="Times New Roman" panose="02020603050405020304" pitchFamily="18" charset="0"/>
                 <a:cs typeface="Times New Roman" panose="02020603050405020304" pitchFamily="18" charset="0"/>
               </a:rPr>
-              <a:t>Merge Sort algorithm:</a:t>
+              <a:t>Merge Sort algorithm :</a:t>
             </a:r>
           </a:p>
           <a:p>
@@ -3862,7 +4497,7 @@
                 <a:latin typeface="Times New Roman" panose="02020603050405020304" pitchFamily="18" charset="0"/>
                 <a:cs typeface="Times New Roman" panose="02020603050405020304" pitchFamily="18" charset="0"/>
               </a:rPr>
-              <a:t>Algorithm Ideas:</a:t>
+              <a:t>Algorithm Ideas :</a:t>
             </a:r>
           </a:p>
           <a:p>
@@ -3934,7 +4569,7 @@
           <a:p>
             <a:pPr algn="ctr"/>
             <a:r>
-              <a:rPr lang="en-US" sz="2000" dirty="0">
+              <a:rPr lang="en-US" sz="1600" dirty="0">
                 <a:latin typeface="Times New Roman" panose="02020603050405020304" pitchFamily="18" charset="0"/>
                 <a:cs typeface="Times New Roman" panose="02020603050405020304" pitchFamily="18" charset="0"/>
               </a:rPr>
@@ -4459,13 +5094,13 @@
           <a:p>
             <a:pPr algn="ctr"/>
             <a:r>
-              <a:rPr lang="sv-SE" sz="2000" dirty="0">
+              <a:rPr lang="sv-SE" sz="1600" dirty="0">
                 <a:latin typeface="Times New Roman" panose="02020603050405020304" pitchFamily="18" charset="0"/>
                 <a:cs typeface="Times New Roman" panose="02020603050405020304" pitchFamily="18" charset="0"/>
               </a:rPr>
               <a:t>Quick sort algorithm (Quick Sort):</a:t>
             </a:r>
-            <a:endParaRPr lang="en-US" sz="2000" dirty="0">
+            <a:endParaRPr lang="en-US" sz="1600" dirty="0">
               <a:latin typeface="Times New Roman" panose="02020603050405020304" pitchFamily="18" charset="0"/>
               <a:cs typeface="Times New Roman" panose="02020603050405020304" pitchFamily="18" charset="0"/>
             </a:endParaRPr>
@@ -4503,7 +5138,7 @@
                 <a:latin typeface="Times New Roman" panose="02020603050405020304" pitchFamily="18" charset="0"/>
                 <a:cs typeface="Times New Roman" panose="02020603050405020304" pitchFamily="18" charset="0"/>
               </a:rPr>
-              <a:t>Algorithm Ideas:</a:t>
+              <a:t>Algorithm Ideas :</a:t>
             </a:r>
           </a:p>
           <a:p>
@@ -4575,7 +5210,7 @@
           <a:p>
             <a:pPr algn="ctr"/>
             <a:r>
-              <a:rPr lang="en-US" sz="2000" dirty="0">
+              <a:rPr lang="en-US" sz="1600" dirty="0">
                 <a:latin typeface="Times New Roman" panose="02020603050405020304" pitchFamily="18" charset="0"/>
                 <a:cs typeface="Times New Roman" panose="02020603050405020304" pitchFamily="18" charset="0"/>
               </a:rPr>
@@ -5141,7 +5776,7 @@
           <a:p>
             <a:pPr algn="ctr"/>
             <a:r>
-              <a:rPr lang="en-US" sz="2000" dirty="0">
+              <a:rPr lang="en-US" sz="1600" dirty="0">
                 <a:latin typeface="Times New Roman" panose="02020603050405020304" pitchFamily="18" charset="0"/>
                 <a:cs typeface="Times New Roman" panose="02020603050405020304" pitchFamily="18" charset="0"/>
               </a:rPr>
@@ -5183,7 +5818,7 @@
                 <a:latin typeface="Times New Roman" panose="02020603050405020304" pitchFamily="18" charset="0"/>
                 <a:cs typeface="Times New Roman" panose="02020603050405020304" pitchFamily="18" charset="0"/>
               </a:rPr>
-              <a:t>Algorithm Ideas:</a:t>
+              <a:t>Algorithm Ideas :</a:t>
             </a:r>
           </a:p>
           <a:p>
@@ -5381,7 +6016,7 @@
           <a:p>
             <a:pPr algn="ctr"/>
             <a:r>
-              <a:rPr lang="en-US" sz="2000" dirty="0">
+              <a:rPr lang="en-US" sz="1600" dirty="0">
                 <a:latin typeface="Times New Roman" panose="02020603050405020304" pitchFamily="18" charset="0"/>
                 <a:cs typeface="Times New Roman" panose="02020603050405020304" pitchFamily="18" charset="0"/>
               </a:rPr>
@@ -5537,7 +6172,7 @@
           <a:p>
             <a:pPr algn="ctr"/>
             <a:r>
-              <a:rPr lang="en-US" sz="2000" dirty="0">
+              <a:rPr lang="en-US" sz="1600" dirty="0">
                 <a:latin typeface="Times New Roman" panose="02020603050405020304" pitchFamily="18" charset="0"/>
                 <a:cs typeface="Times New Roman" panose="02020603050405020304" pitchFamily="18" charset="0"/>
               </a:rPr>
@@ -5574,7 +6209,7 @@
                 <a:latin typeface="Times New Roman" panose="02020603050405020304" pitchFamily="18" charset="0"/>
                 <a:cs typeface="Times New Roman" panose="02020603050405020304" pitchFamily="18" charset="0"/>
               </a:rPr>
-              <a:t>Introduction about Greedy algorithm:</a:t>
+              <a:t>Introduction about Greedy algorithm :</a:t>
             </a:r>
           </a:p>
           <a:p>
@@ -5669,25 +6304,25 @@
         </p:spPr>
         <p:txBody>
           <a:bodyPr>
-            <a:normAutofit fontScale="90000"/>
+            <a:normAutofit/>
           </a:bodyPr>
           <a:lstStyle/>
           <a:p>
             <a:pPr algn="ctr"/>
             <a:r>
-              <a:rPr lang="en-US" dirty="0">
+              <a:rPr lang="en-US" sz="1600" dirty="0">
                 <a:latin typeface="Times New Roman" panose="02020603050405020304" pitchFamily="18" charset="0"/>
                 <a:cs typeface="Times New Roman" panose="02020603050405020304" pitchFamily="18" charset="0"/>
               </a:rPr>
               <a:t>Examples for the algorithm :</a:t>
             </a:r>
             <a:br>
-              <a:rPr lang="en-US" dirty="0">
+              <a:rPr lang="en-US" sz="1600" dirty="0">
                 <a:latin typeface="Times New Roman" panose="02020603050405020304" pitchFamily="18" charset="0"/>
                 <a:cs typeface="Times New Roman" panose="02020603050405020304" pitchFamily="18" charset="0"/>
               </a:rPr>
             </a:br>
-            <a:endParaRPr lang="en-US" dirty="0">
+            <a:endParaRPr lang="en-US" sz="1600" dirty="0">
               <a:latin typeface="Times New Roman" panose="02020603050405020304" pitchFamily="18" charset="0"/>
               <a:cs typeface="Times New Roman" panose="02020603050405020304" pitchFamily="18" charset="0"/>
             </a:endParaRPr>
@@ -5896,7 +6531,7 @@
           <a:p>
             <a:pPr algn="ctr"/>
             <a:r>
-              <a:rPr lang="en-US" sz="2000" dirty="0">
+              <a:rPr lang="en-US" sz="1600" dirty="0">
                 <a:latin typeface="Times New Roman" panose="02020603050405020304" pitchFamily="18" charset="0"/>
                 <a:cs typeface="Times New Roman" panose="02020603050405020304" pitchFamily="18" charset="0"/>
               </a:rPr>
@@ -6099,13 +6734,13 @@
               <a:buNone/>
             </a:pPr>
             <a:br>
-              <a:rPr lang="en-US" sz="2000" dirty="0">
+              <a:rPr lang="en-US" sz="1600" dirty="0">
                 <a:latin typeface="Times New Roman" panose="02020603050405020304" pitchFamily="18" charset="0"/>
                 <a:cs typeface="Times New Roman" panose="02020603050405020304" pitchFamily="18" charset="0"/>
               </a:rPr>
             </a:br>
             <a:r>
-              <a:rPr lang="en-US" sz="2000" b="0" i="0" dirty="0">
+              <a:rPr lang="en-US" sz="1600" b="0" i="0" dirty="0">
                 <a:solidFill>
                   <a:srgbClr val="202124"/>
                 </a:solidFill>
@@ -6122,7 +6757,7 @@
               <a:buChar char="-"/>
             </a:pPr>
             <a:r>
-              <a:rPr lang="en-US" sz="2000" b="0" i="0" dirty="0">
+              <a:rPr lang="en-US" sz="1600" b="0" i="0" dirty="0">
                 <a:solidFill>
                   <a:srgbClr val="202124"/>
                 </a:solidFill>
@@ -6133,7 +6768,7 @@
               <a:t>The brute-force algorithm is</a:t>
             </a:r>
             <a:r>
-              <a:rPr lang="en-US" sz="2000" dirty="0">
+              <a:rPr lang="en-US" sz="1600" dirty="0">
                 <a:solidFill>
                   <a:srgbClr val="202124"/>
                 </a:solidFill>
@@ -6148,7 +6783,7 @@
               <a:buNone/>
             </a:pPr>
             <a:r>
-              <a:rPr lang="en-US" sz="2000" b="0" i="0" dirty="0">
+              <a:rPr lang="en-US" sz="1600" b="0" i="0" dirty="0">
                 <a:solidFill>
                   <a:srgbClr val="202124"/>
                 </a:solidFill>
@@ -6164,7 +6799,7 @@
               <a:buNone/>
             </a:pPr>
             <a:r>
-              <a:rPr lang="en-US" sz="2000" b="0" i="0" dirty="0">
+              <a:rPr lang="en-US" sz="1600" b="0" i="0" dirty="0">
                 <a:solidFill>
                   <a:srgbClr val="202124"/>
                 </a:solidFill>
@@ -6180,7 +6815,7 @@
               <a:buNone/>
             </a:pPr>
             <a:r>
-              <a:rPr lang="en-US" sz="2000" b="0" i="0" dirty="0">
+              <a:rPr lang="en-US" sz="1600" b="0" i="0" dirty="0">
                 <a:solidFill>
                   <a:srgbClr val="202124"/>
                 </a:solidFill>
@@ -6196,7 +6831,7 @@
               <a:buFontTx/>
               <a:buChar char="-"/>
             </a:pPr>
-            <a:endParaRPr lang="en-US" sz="2000" b="0" i="0" dirty="0">
+            <a:endParaRPr lang="en-US" sz="1600" b="0" i="0" dirty="0">
               <a:solidFill>
                 <a:srgbClr val="202124"/>
               </a:solidFill>
@@ -6206,7 +6841,7 @@
             </a:endParaRPr>
           </a:p>
           <a:p>
-            <a:endParaRPr lang="en-US" sz="2000" dirty="0">
+            <a:endParaRPr lang="en-US" sz="1600" dirty="0">
               <a:latin typeface="Times New Roman" panose="02020603050405020304" pitchFamily="18" charset="0"/>
               <a:cs typeface="Times New Roman" panose="02020603050405020304" pitchFamily="18" charset="0"/>
             </a:endParaRPr>
@@ -6231,13 +6866,15 @@
         </p:nvSpPr>
         <p:spPr bwMode="auto">
           <a:xfrm>
-            <a:off x="1286379" y="566242"/>
-            <a:ext cx="10136431" cy="923330"/>
+            <a:off x="1286379" y="658575"/>
+            <a:ext cx="10136431" cy="738664"/>
           </a:xfrm>
           <a:prstGeom prst="rect">
             <a:avLst/>
           </a:prstGeom>
-          <a:ln/>
+          <a:ln>
+            <a:noFill/>
+          </a:ln>
         </p:spPr>
         <p:style>
           <a:lnRef idx="2">
@@ -6279,7 +6916,7 @@
               <a:tabLst/>
             </a:pPr>
             <a:r>
-              <a:rPr kumimoji="0" lang="en-US" altLang="en-US" sz="2000" b="0" i="0" u="none" strike="noStrike" cap="none" normalizeH="0" baseline="0" dirty="0">
+              <a:rPr kumimoji="0" lang="en-US" altLang="en-US" sz="1600" b="0" i="0" u="none" strike="noStrike" cap="none" normalizeH="0" baseline="0" dirty="0">
                 <a:ln>
                   <a:noFill/>
                 </a:ln>
@@ -6290,8 +6927,33 @@
                 <a:latin typeface="Times New Roman" panose="02020603050405020304" pitchFamily="18" charset="0"/>
                 <a:cs typeface="Times New Roman" panose="02020603050405020304" pitchFamily="18" charset="0"/>
               </a:rPr>
-              <a:t>CHAPTER I: THE BRUTE-FORCE Algorithm</a:t>
-            </a:r>
+              <a:t>CHAPTER I: THE BRUTE-FORCE </a:t>
+            </a:r>
+            <a:r>
+              <a:rPr kumimoji="0" lang="en-US" altLang="en-US" sz="1600" b="0" i="0" u="none" strike="noStrike" cap="none" normalizeH="0" baseline="0" dirty="0" err="1">
+                <a:ln>
+                  <a:noFill/>
+                </a:ln>
+                <a:solidFill>
+                  <a:srgbClr val="202124"/>
+                </a:solidFill>
+                <a:effectLst/>
+                <a:latin typeface="Times New Roman" panose="02020603050405020304" pitchFamily="18" charset="0"/>
+                <a:cs typeface="Times New Roman" panose="02020603050405020304" pitchFamily="18" charset="0"/>
+              </a:rPr>
+              <a:t>AlGORITHM</a:t>
+            </a:r>
+            <a:endParaRPr kumimoji="0" lang="en-US" altLang="en-US" sz="1600" b="0" i="0" u="none" strike="noStrike" cap="none" normalizeH="0" baseline="0" dirty="0">
+              <a:ln>
+                <a:noFill/>
+              </a:ln>
+              <a:solidFill>
+                <a:srgbClr val="202124"/>
+              </a:solidFill>
+              <a:effectLst/>
+              <a:latin typeface="Times New Roman" panose="02020603050405020304" pitchFamily="18" charset="0"/>
+              <a:cs typeface="Times New Roman" panose="02020603050405020304" pitchFamily="18" charset="0"/>
+            </a:endParaRPr>
           </a:p>
           <a:p>
             <a:pPr marL="0" marR="0" lvl="0" indent="0" algn="ctr" defTabSz="914400" rtl="0" eaLnBrk="0" fontAlgn="base" latinLnBrk="0" hangingPunct="0">
@@ -6311,7 +6973,7 @@
               <a:tabLst/>
             </a:pPr>
             <a:br>
-              <a:rPr kumimoji="0" lang="en-US" altLang="en-US" sz="2000" b="0" i="0" u="none" strike="noStrike" cap="none" normalizeH="0" baseline="0" dirty="0">
+              <a:rPr kumimoji="0" lang="en-US" altLang="en-US" sz="1600" b="0" i="0" u="none" strike="noStrike" cap="none" normalizeH="0" baseline="0" dirty="0">
                 <a:ln>
                   <a:noFill/>
                 </a:ln>
@@ -6323,7 +6985,7 @@
                 <a:cs typeface="Times New Roman" panose="02020603050405020304" pitchFamily="18" charset="0"/>
               </a:rPr>
             </a:br>
-            <a:endParaRPr kumimoji="0" lang="en-US" altLang="en-US" sz="2000" b="0" i="0" u="none" strike="noStrike" cap="none" normalizeH="0" baseline="0" dirty="0">
+            <a:endParaRPr kumimoji="0" lang="en-US" altLang="en-US" sz="1600" b="0" i="0" u="none" strike="noStrike" cap="none" normalizeH="0" baseline="0" dirty="0">
               <a:ln>
                 <a:noFill/>
               </a:ln>
@@ -6392,19 +7054,19 @@
           <a:p>
             <a:pPr algn="ctr"/>
             <a:r>
-              <a:rPr lang="en-US" sz="2000" dirty="0">
+              <a:rPr lang="en-US" sz="1600" dirty="0">
                 <a:latin typeface="Times New Roman" panose="02020603050405020304" pitchFamily="18" charset="0"/>
                 <a:cs typeface="Times New Roman" panose="02020603050405020304" pitchFamily="18" charset="0"/>
               </a:rPr>
               <a:t>Analysis algorithm :</a:t>
             </a:r>
             <a:br>
-              <a:rPr lang="en-US" sz="2000" dirty="0">
+              <a:rPr lang="en-US" sz="1600" dirty="0">
                 <a:latin typeface="Times New Roman" panose="02020603050405020304" pitchFamily="18" charset="0"/>
                 <a:cs typeface="Times New Roman" panose="02020603050405020304" pitchFamily="18" charset="0"/>
               </a:rPr>
             </a:br>
-            <a:endParaRPr lang="en-US" sz="2000" dirty="0">
+            <a:endParaRPr lang="en-US" sz="1600" dirty="0">
               <a:latin typeface="Times New Roman" panose="02020603050405020304" pitchFamily="18" charset="0"/>
               <a:cs typeface="Times New Roman" panose="02020603050405020304" pitchFamily="18" charset="0"/>
             </a:endParaRPr>
@@ -6551,19 +7213,19 @@
           <a:p>
             <a:pPr algn="ctr"/>
             <a:r>
-              <a:rPr lang="en-US" sz="2000" dirty="0">
-                <a:latin typeface="Times New Roman" panose="02020603050405020304" pitchFamily="18" charset="0"/>
-                <a:cs typeface="Times New Roman" panose="02020603050405020304" pitchFamily="18" charset="0"/>
-              </a:rPr>
-              <a:t>Kruskal Algorithm:</a:t>
+              <a:rPr lang="en-US" sz="1600" dirty="0">
+                <a:latin typeface="Times New Roman" panose="02020603050405020304" pitchFamily="18" charset="0"/>
+                <a:cs typeface="Times New Roman" panose="02020603050405020304" pitchFamily="18" charset="0"/>
+              </a:rPr>
+              <a:t>Kruskal Algorithm :</a:t>
             </a:r>
             <a:br>
-              <a:rPr lang="en-US" sz="2000" dirty="0">
+              <a:rPr lang="en-US" sz="1600" dirty="0">
                 <a:latin typeface="Times New Roman" panose="02020603050405020304" pitchFamily="18" charset="0"/>
                 <a:cs typeface="Times New Roman" panose="02020603050405020304" pitchFamily="18" charset="0"/>
               </a:rPr>
             </a:br>
-            <a:endParaRPr lang="en-US" sz="2000" dirty="0">
+            <a:endParaRPr lang="en-US" sz="1600" dirty="0">
               <a:latin typeface="Times New Roman" panose="02020603050405020304" pitchFamily="18" charset="0"/>
               <a:cs typeface="Times New Roman" panose="02020603050405020304" pitchFamily="18" charset="0"/>
             </a:endParaRPr>
@@ -6606,7 +7268,7 @@
                 <a:latin typeface="Times New Roman" panose="02020603050405020304" pitchFamily="18" charset="0"/>
                 <a:cs typeface="Times New Roman" panose="02020603050405020304" pitchFamily="18" charset="0"/>
               </a:rPr>
-              <a:t>Algorithm Ideas:</a:t>
+              <a:t>Algorithm Ideas :</a:t>
             </a:r>
           </a:p>
           <a:p>
@@ -6743,7 +7405,7 @@
           <a:p>
             <a:pPr algn="ctr"/>
             <a:r>
-              <a:rPr lang="en-US" sz="2000" dirty="0">
+              <a:rPr lang="en-US" sz="1600" dirty="0">
                 <a:latin typeface="Times New Roman" panose="02020603050405020304" pitchFamily="18" charset="0"/>
                 <a:cs typeface="Times New Roman" panose="02020603050405020304" pitchFamily="18" charset="0"/>
               </a:rPr>
@@ -6901,19 +7563,19 @@
           <a:p>
             <a:pPr algn="ctr"/>
             <a:r>
-              <a:rPr lang="en-US" sz="2000" dirty="0">
-                <a:latin typeface="Times New Roman" panose="02020603050405020304" pitchFamily="18" charset="0"/>
-                <a:cs typeface="Times New Roman" panose="02020603050405020304" pitchFamily="18" charset="0"/>
-              </a:rPr>
-              <a:t>Analysis algorithm:</a:t>
+              <a:rPr lang="en-US" sz="1600" dirty="0">
+                <a:latin typeface="Times New Roman" panose="02020603050405020304" pitchFamily="18" charset="0"/>
+                <a:cs typeface="Times New Roman" panose="02020603050405020304" pitchFamily="18" charset="0"/>
+              </a:rPr>
+              <a:t>Analysis algorithm :</a:t>
             </a:r>
             <a:br>
-              <a:rPr lang="en-US" sz="2000" dirty="0">
+              <a:rPr lang="en-US" sz="1600" dirty="0">
                 <a:latin typeface="Times New Roman" panose="02020603050405020304" pitchFamily="18" charset="0"/>
                 <a:cs typeface="Times New Roman" panose="02020603050405020304" pitchFamily="18" charset="0"/>
               </a:rPr>
             </a:br>
-            <a:endParaRPr lang="en-US" sz="2000" dirty="0">
+            <a:endParaRPr lang="en-US" sz="1600" dirty="0">
               <a:latin typeface="Times New Roman" panose="02020603050405020304" pitchFamily="18" charset="0"/>
               <a:cs typeface="Times New Roman" panose="02020603050405020304" pitchFamily="18" charset="0"/>
             </a:endParaRPr>
@@ -7048,19 +7710,19 @@
           <a:p>
             <a:pPr algn="ctr"/>
             <a:r>
-              <a:rPr lang="en-US" sz="2000" dirty="0">
-                <a:latin typeface="Times New Roman" panose="02020603050405020304" pitchFamily="18" charset="0"/>
-                <a:cs typeface="Times New Roman" panose="02020603050405020304" pitchFamily="18" charset="0"/>
-              </a:rPr>
-              <a:t>Kruskal Algorithm:</a:t>
+              <a:rPr lang="en-US" sz="1600" dirty="0">
+                <a:latin typeface="Times New Roman" panose="02020603050405020304" pitchFamily="18" charset="0"/>
+                <a:cs typeface="Times New Roman" panose="02020603050405020304" pitchFamily="18" charset="0"/>
+              </a:rPr>
+              <a:t>Kruskal Algorithm :</a:t>
             </a:r>
             <a:br>
-              <a:rPr lang="en-US" sz="2000" dirty="0">
+              <a:rPr lang="en-US" sz="1600" dirty="0">
                 <a:latin typeface="Times New Roman" panose="02020603050405020304" pitchFamily="18" charset="0"/>
                 <a:cs typeface="Times New Roman" panose="02020603050405020304" pitchFamily="18" charset="0"/>
               </a:rPr>
             </a:br>
-            <a:endParaRPr lang="en-US" sz="2000" dirty="0">
+            <a:endParaRPr lang="en-US" sz="1600" dirty="0">
               <a:latin typeface="Times New Roman" panose="02020603050405020304" pitchFamily="18" charset="0"/>
               <a:cs typeface="Times New Roman" panose="02020603050405020304" pitchFamily="18" charset="0"/>
             </a:endParaRPr>
@@ -7095,7 +7757,7 @@
                 <a:latin typeface="Times New Roman" panose="02020603050405020304" pitchFamily="18" charset="0"/>
                 <a:cs typeface="Times New Roman" panose="02020603050405020304" pitchFamily="18" charset="0"/>
               </a:rPr>
-              <a:t>Algorithm Ideas:</a:t>
+              <a:t>Algorithm Ideas :</a:t>
             </a:r>
           </a:p>
           <a:p>
@@ -7226,7 +7888,7 @@
           <a:p>
             <a:pPr algn="ctr"/>
             <a:r>
-              <a:rPr lang="en-US" sz="2000" dirty="0">
+              <a:rPr lang="en-US" sz="1600" dirty="0">
                 <a:latin typeface="Times New Roman" panose="02020603050405020304" pitchFamily="18" charset="0"/>
                 <a:cs typeface="Times New Roman" panose="02020603050405020304" pitchFamily="18" charset="0"/>
               </a:rPr>
@@ -7384,19 +8046,19 @@
           <a:p>
             <a:pPr algn="ctr"/>
             <a:r>
-              <a:rPr lang="en-US" sz="2000" dirty="0">
-                <a:latin typeface="Times New Roman" panose="02020603050405020304" pitchFamily="18" charset="0"/>
-                <a:cs typeface="Times New Roman" panose="02020603050405020304" pitchFamily="18" charset="0"/>
-              </a:rPr>
-              <a:t>Analysis algorithm:</a:t>
+              <a:rPr lang="en-US" sz="1600" dirty="0">
+                <a:latin typeface="Times New Roman" panose="02020603050405020304" pitchFamily="18" charset="0"/>
+                <a:cs typeface="Times New Roman" panose="02020603050405020304" pitchFamily="18" charset="0"/>
+              </a:rPr>
+              <a:t>Analysis algorithm :</a:t>
             </a:r>
             <a:br>
-              <a:rPr lang="en-US" sz="2000" dirty="0">
+              <a:rPr lang="en-US" sz="1600" dirty="0">
                 <a:latin typeface="Times New Roman" panose="02020603050405020304" pitchFamily="18" charset="0"/>
                 <a:cs typeface="Times New Roman" panose="02020603050405020304" pitchFamily="18" charset="0"/>
               </a:rPr>
             </a:br>
-            <a:endParaRPr lang="en-US" sz="2000" dirty="0">
+            <a:endParaRPr lang="en-US" sz="1600" dirty="0">
               <a:latin typeface="Times New Roman" panose="02020603050405020304" pitchFamily="18" charset="0"/>
               <a:cs typeface="Times New Roman" panose="02020603050405020304" pitchFamily="18" charset="0"/>
             </a:endParaRPr>
@@ -7534,19 +8196,19 @@
           <a:p>
             <a:pPr algn="ctr"/>
             <a:r>
-              <a:rPr lang="en-US" sz="2000" dirty="0">
-                <a:latin typeface="Times New Roman" panose="02020603050405020304" pitchFamily="18" charset="0"/>
-                <a:cs typeface="Times New Roman" panose="02020603050405020304" pitchFamily="18" charset="0"/>
-              </a:rPr>
-              <a:t>Dijkstra's algorithm:</a:t>
+              <a:rPr lang="en-US" sz="1600" dirty="0">
+                <a:latin typeface="Times New Roman" panose="02020603050405020304" pitchFamily="18" charset="0"/>
+                <a:cs typeface="Times New Roman" panose="02020603050405020304" pitchFamily="18" charset="0"/>
+              </a:rPr>
+              <a:t>Dijkstra's algorithm :</a:t>
             </a:r>
             <a:br>
-              <a:rPr lang="en-US" sz="2000" dirty="0">
+              <a:rPr lang="en-US" sz="1600" dirty="0">
                 <a:latin typeface="Times New Roman" panose="02020603050405020304" pitchFamily="18" charset="0"/>
                 <a:cs typeface="Times New Roman" panose="02020603050405020304" pitchFamily="18" charset="0"/>
               </a:rPr>
             </a:br>
-            <a:endParaRPr lang="en-US" sz="2000" dirty="0">
+            <a:endParaRPr lang="en-US" sz="1600" dirty="0">
               <a:latin typeface="Times New Roman" panose="02020603050405020304" pitchFamily="18" charset="0"/>
               <a:cs typeface="Times New Roman" panose="02020603050405020304" pitchFamily="18" charset="0"/>
             </a:endParaRPr>
@@ -7650,7 +8312,7 @@
           <a:p>
             <a:pPr algn="ctr"/>
             <a:r>
-              <a:rPr lang="en-US" sz="2000" dirty="0">
+              <a:rPr lang="en-US" sz="1600" dirty="0">
                 <a:latin typeface="Times New Roman" panose="02020603050405020304" pitchFamily="18" charset="0"/>
                 <a:cs typeface="Times New Roman" panose="02020603050405020304" pitchFamily="18" charset="0"/>
               </a:rPr>
@@ -7917,19 +8579,19 @@
           <a:p>
             <a:pPr algn="ctr"/>
             <a:r>
-              <a:rPr lang="en-US" sz="2000" dirty="0">
-                <a:latin typeface="Times New Roman" panose="02020603050405020304" pitchFamily="18" charset="0"/>
-                <a:cs typeface="Times New Roman" panose="02020603050405020304" pitchFamily="18" charset="0"/>
-              </a:rPr>
-              <a:t>Analysis algorithm:</a:t>
+              <a:rPr lang="en-US" sz="1600" dirty="0">
+                <a:latin typeface="Times New Roman" panose="02020603050405020304" pitchFamily="18" charset="0"/>
+                <a:cs typeface="Times New Roman" panose="02020603050405020304" pitchFamily="18" charset="0"/>
+              </a:rPr>
+              <a:t>Analysis algorithm :</a:t>
             </a:r>
             <a:br>
-              <a:rPr lang="en-US" sz="2000" dirty="0">
+              <a:rPr lang="en-US" sz="1600" dirty="0">
                 <a:latin typeface="Times New Roman" panose="02020603050405020304" pitchFamily="18" charset="0"/>
                 <a:cs typeface="Times New Roman" panose="02020603050405020304" pitchFamily="18" charset="0"/>
               </a:rPr>
             </a:br>
-            <a:endParaRPr lang="en-US" sz="2000" dirty="0">
+            <a:endParaRPr lang="en-US" sz="1600" dirty="0">
               <a:latin typeface="Times New Roman" panose="02020603050405020304" pitchFamily="18" charset="0"/>
               <a:cs typeface="Times New Roman" panose="02020603050405020304" pitchFamily="18" charset="0"/>
             </a:endParaRPr>
@@ -8061,19 +8723,19 @@
           <a:p>
             <a:pPr algn="ctr"/>
             <a:r>
-              <a:rPr lang="en-US" sz="2800" dirty="0">
-                <a:latin typeface="Times New Roman" panose="02020603050405020304" pitchFamily="18" charset="0"/>
-                <a:cs typeface="Times New Roman" panose="02020603050405020304" pitchFamily="18" charset="0"/>
-              </a:rPr>
-              <a:t>Examples for the algorithm:</a:t>
+              <a:rPr lang="en-US" sz="1600" dirty="0">
+                <a:latin typeface="Times New Roman" panose="02020603050405020304" pitchFamily="18" charset="0"/>
+                <a:cs typeface="Times New Roman" panose="02020603050405020304" pitchFamily="18" charset="0"/>
+              </a:rPr>
+              <a:t>Examples for the algorithm :</a:t>
             </a:r>
             <a:br>
-              <a:rPr lang="en-US" sz="2800" dirty="0">
+              <a:rPr lang="en-US" sz="1600" dirty="0">
                 <a:latin typeface="Times New Roman" panose="02020603050405020304" pitchFamily="18" charset="0"/>
                 <a:cs typeface="Times New Roman" panose="02020603050405020304" pitchFamily="18" charset="0"/>
               </a:rPr>
             </a:br>
-            <a:endParaRPr lang="en-US" sz="2800" dirty="0">
+            <a:endParaRPr lang="en-US" sz="1600" dirty="0">
               <a:latin typeface="Times New Roman" panose="02020603050405020304" pitchFamily="18" charset="0"/>
               <a:cs typeface="Times New Roman" panose="02020603050405020304" pitchFamily="18" charset="0"/>
             </a:endParaRPr>
@@ -8112,7 +8774,7 @@
               <a:buNone/>
             </a:pPr>
             <a:r>
-              <a:rPr lang="en-US" sz="2000" dirty="0">
+              <a:rPr lang="en-US" sz="1600" dirty="0">
                 <a:latin typeface="Times New Roman" panose="02020603050405020304" pitchFamily="18" charset="0"/>
                 <a:cs typeface="Times New Roman" panose="02020603050405020304" pitchFamily="18" charset="0"/>
               </a:rPr>
@@ -8124,7 +8786,7 @@
               <a:buNone/>
             </a:pPr>
             <a:r>
-              <a:rPr lang="en-US" sz="2000" dirty="0">
+              <a:rPr lang="en-US" sz="1600" dirty="0">
                 <a:latin typeface="Times New Roman" panose="02020603050405020304" pitchFamily="18" charset="0"/>
                 <a:cs typeface="Times New Roman" panose="02020603050405020304" pitchFamily="18" charset="0"/>
               </a:rPr>
@@ -8136,21 +8798,21 @@
               <a:buNone/>
             </a:pPr>
             <a:r>
-              <a:rPr lang="en-US" sz="2000" dirty="0">
+              <a:rPr lang="en-US" sz="1600" dirty="0">
                 <a:latin typeface="Times New Roman" panose="02020603050405020304" pitchFamily="18" charset="0"/>
                 <a:cs typeface="Times New Roman" panose="02020603050405020304" pitchFamily="18" charset="0"/>
               </a:rPr>
               <a:t>- We start the sorting method by scanning the entire given list, then continue to find the smallest element in the list and change its place with the element header in the list. Next, we continue to scan the list and start with the second element to find the smallest of the n-1 elements and swap places with the second item of the list. Again, for the </a:t>
             </a:r>
             <a:r>
-              <a:rPr lang="en-US" sz="2000" dirty="0" err="1">
+              <a:rPr lang="en-US" sz="1600" dirty="0" err="1">
                 <a:latin typeface="Times New Roman" panose="02020603050405020304" pitchFamily="18" charset="0"/>
                 <a:cs typeface="Times New Roman" panose="02020603050405020304" pitchFamily="18" charset="0"/>
               </a:rPr>
               <a:t>ith</a:t>
             </a:r>
             <a:r>
-              <a:rPr lang="en-US" sz="2000" dirty="0">
+              <a:rPr lang="en-US" sz="1600" dirty="0">
                 <a:latin typeface="Times New Roman" panose="02020603050405020304" pitchFamily="18" charset="0"/>
                 <a:cs typeface="Times New Roman" panose="02020603050405020304" pitchFamily="18" charset="0"/>
               </a:rPr>
@@ -8161,19 +8823,19 @@
             <a:pPr marL="0" indent="0">
               <a:buNone/>
             </a:pPr>
-            <a:endParaRPr lang="en-US" sz="2000" dirty="0">
+            <a:endParaRPr lang="en-US" sz="1600" dirty="0">
               <a:latin typeface="Times New Roman" panose="02020603050405020304" pitchFamily="18" charset="0"/>
               <a:cs typeface="Times New Roman" panose="02020603050405020304" pitchFamily="18" charset="0"/>
             </a:endParaRPr>
           </a:p>
           <a:p>
-            <a:endParaRPr lang="en-US" sz="2000" dirty="0">
+            <a:endParaRPr lang="en-US" sz="1600" dirty="0">
               <a:latin typeface="Times New Roman" panose="02020603050405020304" pitchFamily="18" charset="0"/>
               <a:cs typeface="Times New Roman" panose="02020603050405020304" pitchFamily="18" charset="0"/>
             </a:endParaRPr>
           </a:p>
           <a:p>
-            <a:endParaRPr lang="en-US" sz="2000" dirty="0">
+            <a:endParaRPr lang="en-US" sz="1600" dirty="0">
               <a:latin typeface="Times New Roman" panose="02020603050405020304" pitchFamily="18" charset="0"/>
               <a:cs typeface="Times New Roman" panose="02020603050405020304" pitchFamily="18" charset="0"/>
             </a:endParaRPr>
@@ -8183,7 +8845,7 @@
               <a:buNone/>
             </a:pPr>
             <a:r>
-              <a:rPr lang="en-US" sz="2000" dirty="0">
+              <a:rPr lang="en-US" sz="1600" dirty="0">
                 <a:latin typeface="Times New Roman" panose="02020603050405020304" pitchFamily="18" charset="0"/>
                 <a:cs typeface="Times New Roman" panose="02020603050405020304" pitchFamily="18" charset="0"/>
               </a:rPr>
@@ -8277,7 +8939,7 @@
           <a:p>
             <a:pPr algn="ctr"/>
             <a:r>
-              <a:rPr lang="en-US" sz="2000" dirty="0">
+              <a:rPr lang="en-US" sz="1600" dirty="0">
                 <a:latin typeface="Times New Roman" panose="02020603050405020304" pitchFamily="18" charset="0"/>
                 <a:cs typeface="Times New Roman" panose="02020603050405020304" pitchFamily="18" charset="0"/>
               </a:rPr>
@@ -8399,24 +9061,26 @@
         </p:nvSpPr>
         <p:spPr/>
         <p:txBody>
-          <a:bodyPr/>
+          <a:bodyPr>
+            <a:normAutofit/>
+          </a:bodyPr>
           <a:lstStyle/>
           <a:p>
             <a:pPr algn="ctr"/>
             <a:r>
-              <a:rPr lang="en-US" dirty="0">
+              <a:rPr lang="en-US" sz="1600" dirty="0">
                 <a:latin typeface="Times New Roman" panose="02020603050405020304" pitchFamily="18" charset="0"/>
                 <a:cs typeface="Times New Roman" panose="02020603050405020304" pitchFamily="18" charset="0"/>
               </a:rPr>
               <a:t>The idea of ​​the algorithm :</a:t>
             </a:r>
             <a:br>
-              <a:rPr lang="en-US" dirty="0">
+              <a:rPr lang="en-US" sz="1600" dirty="0">
                 <a:latin typeface="Times New Roman" panose="02020603050405020304" pitchFamily="18" charset="0"/>
                 <a:cs typeface="Times New Roman" panose="02020603050405020304" pitchFamily="18" charset="0"/>
               </a:rPr>
             </a:br>
-            <a:endParaRPr lang="en-US" dirty="0">
+            <a:endParaRPr lang="en-US" sz="1600" dirty="0">
               <a:latin typeface="Times New Roman" panose="02020603050405020304" pitchFamily="18" charset="0"/>
               <a:cs typeface="Times New Roman" panose="02020603050405020304" pitchFamily="18" charset="0"/>
             </a:endParaRPr>
@@ -8511,19 +9175,19 @@
           <a:p>
             <a:pPr algn="ctr"/>
             <a:r>
-              <a:rPr lang="en-US" sz="2000" dirty="0">
-                <a:latin typeface="Times New Roman" panose="02020603050405020304" pitchFamily="18" charset="0"/>
-                <a:cs typeface="Times New Roman" panose="02020603050405020304" pitchFamily="18" charset="0"/>
-              </a:rPr>
-              <a:t>Examples for the algorithm:</a:t>
+              <a:rPr lang="en-US" sz="1600" dirty="0">
+                <a:latin typeface="Times New Roman" panose="02020603050405020304" pitchFamily="18" charset="0"/>
+                <a:cs typeface="Times New Roman" panose="02020603050405020304" pitchFamily="18" charset="0"/>
+              </a:rPr>
+              <a:t>Examples for the algorithm :</a:t>
             </a:r>
             <a:br>
-              <a:rPr lang="en-US" sz="2000" dirty="0">
+              <a:rPr lang="en-US" sz="1600" dirty="0">
                 <a:latin typeface="Times New Roman" panose="02020603050405020304" pitchFamily="18" charset="0"/>
                 <a:cs typeface="Times New Roman" panose="02020603050405020304" pitchFamily="18" charset="0"/>
               </a:rPr>
             </a:br>
-            <a:endParaRPr lang="en-US" sz="2000" dirty="0">
+            <a:endParaRPr lang="en-US" sz="1600" dirty="0">
               <a:latin typeface="Times New Roman" panose="02020603050405020304" pitchFamily="18" charset="0"/>
               <a:cs typeface="Times New Roman" panose="02020603050405020304" pitchFamily="18" charset="0"/>
             </a:endParaRPr>
@@ -8563,7 +9227,7 @@
                 <a:latin typeface="Times New Roman" panose="02020603050405020304" pitchFamily="18" charset="0"/>
                 <a:cs typeface="Times New Roman" panose="02020603050405020304" pitchFamily="18" charset="0"/>
               </a:rPr>
-              <a:t>Item Coin Algorithm:</a:t>
+              <a:t>Item Coin Algorithm :</a:t>
             </a:r>
           </a:p>
           <a:p>
@@ -8761,7 +9425,7 @@
           <a:p>
             <a:pPr algn="ctr"/>
             <a:r>
-              <a:rPr lang="en-US" sz="2000" dirty="0">
+              <a:rPr lang="en-US" sz="1600" dirty="0">
                 <a:latin typeface="Times New Roman" panose="02020603050405020304" pitchFamily="18" charset="0"/>
                 <a:cs typeface="Times New Roman" panose="02020603050405020304" pitchFamily="18" charset="0"/>
               </a:rPr>
@@ -9135,7 +9799,7 @@
           <a:p>
             <a:pPr algn="ctr"/>
             <a:r>
-              <a:rPr lang="en-US" sz="2000" dirty="0">
+              <a:rPr lang="en-US" sz="1600" dirty="0">
                 <a:latin typeface="Times New Roman" panose="02020603050405020304" pitchFamily="18" charset="0"/>
                 <a:cs typeface="Times New Roman" panose="02020603050405020304" pitchFamily="18" charset="0"/>
               </a:rPr>
@@ -9879,19 +10543,19 @@
           <a:p>
             <a:pPr algn="ctr"/>
             <a:r>
-              <a:rPr lang="en-US" sz="2000" dirty="0">
+              <a:rPr lang="en-US" sz="1600" dirty="0">
                 <a:latin typeface="Times New Roman" panose="02020603050405020304" pitchFamily="18" charset="0"/>
                 <a:cs typeface="Times New Roman" panose="02020603050405020304" pitchFamily="18" charset="0"/>
               </a:rPr>
               <a:t>Robot Algorithm Coin Collection:</a:t>
             </a:r>
             <a:br>
-              <a:rPr lang="en-US" sz="2000" dirty="0">
+              <a:rPr lang="en-US" sz="1600" dirty="0">
                 <a:latin typeface="Times New Roman" panose="02020603050405020304" pitchFamily="18" charset="0"/>
                 <a:cs typeface="Times New Roman" panose="02020603050405020304" pitchFamily="18" charset="0"/>
               </a:rPr>
             </a:br>
-            <a:endParaRPr lang="en-US" sz="2000" dirty="0">
+            <a:endParaRPr lang="en-US" sz="1600" dirty="0">
               <a:latin typeface="Times New Roman" panose="02020603050405020304" pitchFamily="18" charset="0"/>
               <a:cs typeface="Times New Roman" panose="02020603050405020304" pitchFamily="18" charset="0"/>
             </a:endParaRPr>
@@ -10122,7 +10786,7 @@
           <a:p>
             <a:pPr algn="ctr"/>
             <a:r>
-              <a:rPr lang="en-US" sz="2000" dirty="0">
+              <a:rPr lang="en-US" sz="1600" dirty="0">
                 <a:latin typeface="Times New Roman" panose="02020603050405020304" pitchFamily="18" charset="0"/>
                 <a:cs typeface="Times New Roman" panose="02020603050405020304" pitchFamily="18" charset="0"/>
               </a:rPr>
@@ -10507,7 +11171,7 @@
                 <a:latin typeface="Times New Roman" panose="02020603050405020304" pitchFamily="18" charset="0"/>
                 <a:cs typeface="Times New Roman" panose="02020603050405020304" pitchFamily="18" charset="0"/>
               </a:rPr>
-              <a:t>Code:</a:t>
+              <a:t>Code :</a:t>
             </a:r>
             <a:br>
               <a:rPr lang="en-US" sz="1600" dirty="0">
@@ -10729,6 +11393,9 @@
             <a:off x="831850" y="3717984"/>
             <a:ext cx="10515600" cy="2751827"/>
           </a:xfrm>
+          <a:ln>
+            <a:noFill/>
+          </a:ln>
         </p:spPr>
         <p:style>
           <a:lnRef idx="2">
@@ -10755,7 +11422,7 @@
                 <a:latin typeface="Times New Roman" panose="02020603050405020304" pitchFamily="18" charset="0"/>
                 <a:cs typeface="Times New Roman" panose="02020603050405020304" pitchFamily="18" charset="0"/>
               </a:rPr>
-              <a:t>Analysis algorithm:</a:t>
+              <a:t>Analysis algorithm :</a:t>
             </a:r>
           </a:p>
           <a:p>
@@ -10898,11 +11565,11 @@
           <a:p>
             <a:pPr algn="ctr"/>
             <a:r>
-              <a:rPr lang="en-US" sz="2000" dirty="0">
-                <a:latin typeface="Times New Roman" panose="02020603050405020304" pitchFamily="18" charset="0"/>
-                <a:cs typeface="Times New Roman" panose="02020603050405020304" pitchFamily="18" charset="0"/>
-              </a:rPr>
-              <a:t>Bubble Arrangement Algorithm (Arrange bubbles):</a:t>
+              <a:rPr lang="en-US" sz="1600" dirty="0">
+                <a:latin typeface="Times New Roman" panose="02020603050405020304" pitchFamily="18" charset="0"/>
+                <a:cs typeface="Times New Roman" panose="02020603050405020304" pitchFamily="18" charset="0"/>
+              </a:rPr>
+              <a:t>Bubble Arrangement Algorithm (Arrange bubbles) :</a:t>
             </a:r>
           </a:p>
         </p:txBody>
@@ -10943,7 +11610,7 @@
                 <a:latin typeface="Times New Roman" panose="02020603050405020304" pitchFamily="18" charset="0"/>
                 <a:cs typeface="Times New Roman" panose="02020603050405020304" pitchFamily="18" charset="0"/>
               </a:rPr>
-              <a:t>Algorithm idea :</a:t>
+              <a:t>Algorithm ideas :</a:t>
             </a:r>
           </a:p>
           <a:p>
@@ -10955,7 +11622,7 @@
                 <a:latin typeface="Times New Roman" panose="02020603050405020304" pitchFamily="18" charset="0"/>
                 <a:cs typeface="Times New Roman" panose="02020603050405020304" pitchFamily="18" charset="0"/>
               </a:rPr>
-              <a:t>- Another application of the brute-force algorithm in job sorting is to compare adjacent elements of a list and change their position if they are out of order. By the reset, we will place the largest elements at the bottom of the list. The next step is to do the same for the 2nd largest element, and so on until after n - 1, the list is sorted. The pass </a:t>
+              <a:t>-  Another application of the brute-force algorithm in job sorting is to compare adjacent elements of a list and change their position if they are out of order. By the reset, we will place the largest elements at the bottom of the list. The next step is to do the same for the 2nd largest element, and so on until after n - 1, the list is sorted. The pass </a:t>
             </a:r>
             <a:r>
               <a:rPr lang="en-US" sz="1600" dirty="0" err="1">
@@ -11353,7 +12020,7 @@
           <a:p>
             <a:pPr algn="ctr"/>
             <a:r>
-              <a:rPr lang="en-US" sz="2000" dirty="0">
+              <a:rPr lang="en-US" sz="1600" dirty="0">
                 <a:latin typeface="Times New Roman" panose="02020603050405020304" pitchFamily="18" charset="0"/>
                 <a:cs typeface="Times New Roman" panose="02020603050405020304" pitchFamily="18" charset="0"/>
               </a:rPr>
@@ -11386,16 +12053,16 @@
           <a:lstStyle/>
           <a:p>
             <a:r>
-              <a:rPr lang="en-US" sz="2000" dirty="0">
-                <a:latin typeface="Times New Roman" panose="02020603050405020304" pitchFamily="18" charset="0"/>
-                <a:cs typeface="Times New Roman" panose="02020603050405020304" pitchFamily="18" charset="0"/>
-              </a:rPr>
-              <a:t>Algorithm Ideas:</a:t>
-            </a:r>
-          </a:p>
-          <a:p>
-            <a:r>
-              <a:rPr lang="en-US" sz="2000" dirty="0">
+              <a:rPr lang="en-US" sz="1600" dirty="0">
+                <a:latin typeface="Times New Roman" panose="02020603050405020304" pitchFamily="18" charset="0"/>
+                <a:cs typeface="Times New Roman" panose="02020603050405020304" pitchFamily="18" charset="0"/>
+              </a:rPr>
+              <a:t>Algorithm Ideas :</a:t>
+            </a:r>
+          </a:p>
+          <a:p>
+            <a:r>
+              <a:rPr lang="en-US" sz="1600" dirty="0">
                 <a:latin typeface="Times New Roman" panose="02020603050405020304" pitchFamily="18" charset="0"/>
                 <a:cs typeface="Times New Roman" panose="02020603050405020304" pitchFamily="18" charset="0"/>
               </a:rPr>
@@ -11702,7 +12369,7 @@
                 <a:latin typeface="Times New Roman" panose="02020603050405020304" pitchFamily="18" charset="0"/>
                 <a:cs typeface="Times New Roman" panose="02020603050405020304" pitchFamily="18" charset="0"/>
               </a:rPr>
-              <a:t>Analysis algorithm:</a:t>
+              <a:t>Analysis algorithm :</a:t>
             </a:r>
           </a:p>
           <a:p>
@@ -11813,11 +12480,11 @@
           <a:p>
             <a:pPr algn="ctr"/>
             <a:r>
-              <a:rPr lang="en-US" sz="2000" dirty="0">
-                <a:latin typeface="Times New Roman" panose="02020603050405020304" pitchFamily="18" charset="0"/>
-                <a:cs typeface="Times New Roman" panose="02020603050405020304" pitchFamily="18" charset="0"/>
-              </a:rPr>
-              <a:t>CHAPTER II: THE SHARING AND SHARING ALGORITHM</a:t>
+              <a:rPr lang="en-US" sz="1600" dirty="0">
+                <a:latin typeface="Times New Roman" panose="02020603050405020304" pitchFamily="18" charset="0"/>
+                <a:cs typeface="Times New Roman" panose="02020603050405020304" pitchFamily="18" charset="0"/>
+              </a:rPr>
+              <a:t>CHAPTER II : THE DIVIDE AND CONQUER ALGORITHM</a:t>
             </a:r>
           </a:p>
         </p:txBody>
@@ -11853,7 +12520,7 @@
                 <a:latin typeface="Times New Roman" panose="02020603050405020304" pitchFamily="18" charset="0"/>
                 <a:cs typeface="Times New Roman" panose="02020603050405020304" pitchFamily="18" charset="0"/>
               </a:rPr>
-              <a:t>Introduction to Divide &amp; Conquer algorithm:</a:t>
+              <a:t>Introduction to Divide &amp; Conquer algorithm :</a:t>
             </a:r>
           </a:p>
           <a:p>
